--- a/webbasic/프레젠테이션1.pptx
+++ b/webbasic/프레젠테이션1.pptx
@@ -105,6 +105,22 @@
       </a:defRPr>
     </a:lvl9pPr>
   </p:defaultTextStyle>
+  <p:extLst>
+    <p:ext uri="{EFAFB233-063F-42B5-8137-9DF3F51BA10A}">
+      <p15:sldGuideLst xmlns:p15="http://schemas.microsoft.com/office/powerpoint/2012/main">
+        <p15:guide id="1" orient="horz" pos="2160">
+          <p15:clr>
+            <a:srgbClr val="A4A3A4"/>
+          </p15:clr>
+        </p15:guide>
+        <p15:guide id="2" pos="2880">
+          <p15:clr>
+            <a:srgbClr val="A4A3A4"/>
+          </p15:clr>
+        </p15:guide>
+      </p15:sldGuideLst>
+    </p:ext>
+  </p:extLst>
 </p:presentation>
 </file>
 
@@ -289,7 +305,7 @@
           <a:p>
             <a:fld id="{A858C924-DC18-4969-806C-4A4E021E967D}" type="datetimeFigureOut">
               <a:rPr lang="ko-KR" altLang="en-US" smtClean="0"/>
-              <a:t>2019-08-04</a:t>
+              <a:t>2019-08-12</a:t>
             </a:fld>
             <a:endParaRPr lang="ko-KR" altLang="en-US"/>
           </a:p>
@@ -459,7 +475,7 @@
           <a:p>
             <a:fld id="{A858C924-DC18-4969-806C-4A4E021E967D}" type="datetimeFigureOut">
               <a:rPr lang="ko-KR" altLang="en-US" smtClean="0"/>
-              <a:t>2019-08-04</a:t>
+              <a:t>2019-08-12</a:t>
             </a:fld>
             <a:endParaRPr lang="ko-KR" altLang="en-US"/>
           </a:p>
@@ -639,7 +655,7 @@
           <a:p>
             <a:fld id="{A858C924-DC18-4969-806C-4A4E021E967D}" type="datetimeFigureOut">
               <a:rPr lang="ko-KR" altLang="en-US" smtClean="0"/>
-              <a:t>2019-08-04</a:t>
+              <a:t>2019-08-12</a:t>
             </a:fld>
             <a:endParaRPr lang="ko-KR" altLang="en-US"/>
           </a:p>
@@ -809,7 +825,7 @@
           <a:p>
             <a:fld id="{A858C924-DC18-4969-806C-4A4E021E967D}" type="datetimeFigureOut">
               <a:rPr lang="ko-KR" altLang="en-US" smtClean="0"/>
-              <a:t>2019-08-04</a:t>
+              <a:t>2019-08-12</a:t>
             </a:fld>
             <a:endParaRPr lang="ko-KR" altLang="en-US"/>
           </a:p>
@@ -1055,7 +1071,7 @@
           <a:p>
             <a:fld id="{A858C924-DC18-4969-806C-4A4E021E967D}" type="datetimeFigureOut">
               <a:rPr lang="ko-KR" altLang="en-US" smtClean="0"/>
-              <a:t>2019-08-04</a:t>
+              <a:t>2019-08-12</a:t>
             </a:fld>
             <a:endParaRPr lang="ko-KR" altLang="en-US"/>
           </a:p>
@@ -1343,7 +1359,7 @@
           <a:p>
             <a:fld id="{A858C924-DC18-4969-806C-4A4E021E967D}" type="datetimeFigureOut">
               <a:rPr lang="ko-KR" altLang="en-US" smtClean="0"/>
-              <a:t>2019-08-04</a:t>
+              <a:t>2019-08-12</a:t>
             </a:fld>
             <a:endParaRPr lang="ko-KR" altLang="en-US"/>
           </a:p>
@@ -1765,7 +1781,7 @@
           <a:p>
             <a:fld id="{A858C924-DC18-4969-806C-4A4E021E967D}" type="datetimeFigureOut">
               <a:rPr lang="ko-KR" altLang="en-US" smtClean="0"/>
-              <a:t>2019-08-04</a:t>
+              <a:t>2019-08-12</a:t>
             </a:fld>
             <a:endParaRPr lang="ko-KR" altLang="en-US"/>
           </a:p>
@@ -1883,7 +1899,7 @@
           <a:p>
             <a:fld id="{A858C924-DC18-4969-806C-4A4E021E967D}" type="datetimeFigureOut">
               <a:rPr lang="ko-KR" altLang="en-US" smtClean="0"/>
-              <a:t>2019-08-04</a:t>
+              <a:t>2019-08-12</a:t>
             </a:fld>
             <a:endParaRPr lang="ko-KR" altLang="en-US"/>
           </a:p>
@@ -1978,7 +1994,7 @@
           <a:p>
             <a:fld id="{A858C924-DC18-4969-806C-4A4E021E967D}" type="datetimeFigureOut">
               <a:rPr lang="ko-KR" altLang="en-US" smtClean="0"/>
-              <a:t>2019-08-04</a:t>
+              <a:t>2019-08-12</a:t>
             </a:fld>
             <a:endParaRPr lang="ko-KR" altLang="en-US"/>
           </a:p>
@@ -2255,7 +2271,7 @@
           <a:p>
             <a:fld id="{A858C924-DC18-4969-806C-4A4E021E967D}" type="datetimeFigureOut">
               <a:rPr lang="ko-KR" altLang="en-US" smtClean="0"/>
-              <a:t>2019-08-04</a:t>
+              <a:t>2019-08-12</a:t>
             </a:fld>
             <a:endParaRPr lang="ko-KR" altLang="en-US"/>
           </a:p>
@@ -2508,7 +2524,7 @@
           <a:p>
             <a:fld id="{A858C924-DC18-4969-806C-4A4E021E967D}" type="datetimeFigureOut">
               <a:rPr lang="ko-KR" altLang="en-US" smtClean="0"/>
-              <a:t>2019-08-04</a:t>
+              <a:t>2019-08-12</a:t>
             </a:fld>
             <a:endParaRPr lang="ko-KR" altLang="en-US"/>
           </a:p>
@@ -2721,7 +2737,7 @@
           <a:p>
             <a:fld id="{A858C924-DC18-4969-806C-4A4E021E967D}" type="datetimeFigureOut">
               <a:rPr lang="ko-KR" altLang="en-US" smtClean="0"/>
-              <a:t>2019-08-04</a:t>
+              <a:t>2019-08-12</a:t>
             </a:fld>
             <a:endParaRPr lang="ko-KR" altLang="en-US"/>
           </a:p>
@@ -3255,1064 +3271,6 @@
           </a:p>
         </p:txBody>
       </p:sp>
-      <p:grpSp>
-        <p:nvGrpSpPr>
-          <p:cNvPr id="10" name="그룹 9"/>
-          <p:cNvGrpSpPr/>
-          <p:nvPr/>
-        </p:nvGrpSpPr>
-        <p:grpSpPr>
-          <a:xfrm>
-            <a:off x="4572000" y="476672"/>
-            <a:ext cx="3240360" cy="3168352"/>
-            <a:chOff x="778887" y="428723"/>
-            <a:chExt cx="1142609" cy="1163782"/>
-          </a:xfrm>
-          <a:solidFill>
-            <a:schemeClr val="bg1"/>
-          </a:solidFill>
-        </p:grpSpPr>
-        <p:sp>
-          <p:nvSpPr>
-            <p:cNvPr id="4" name="자유형 3"/>
-            <p:cNvSpPr/>
-            <p:nvPr/>
-          </p:nvSpPr>
-          <p:spPr>
-            <a:xfrm>
-              <a:off x="778887" y="428723"/>
-              <a:ext cx="1142609" cy="1163782"/>
-            </a:xfrm>
-            <a:custGeom>
-              <a:avLst/>
-              <a:gdLst>
-                <a:gd name="connsiteX0" fmla="*/ 89663 w 1142609"/>
-                <a:gd name="connsiteY0" fmla="*/ 457200 h 1163782"/>
-                <a:gd name="connsiteX1" fmla="*/ 89663 w 1142609"/>
-                <a:gd name="connsiteY1" fmla="*/ 110836 h 1163782"/>
-                <a:gd name="connsiteX2" fmla="*/ 117372 w 1142609"/>
-                <a:gd name="connsiteY2" fmla="*/ 55418 h 1163782"/>
-                <a:gd name="connsiteX3" fmla="*/ 214354 w 1142609"/>
-                <a:gd name="connsiteY3" fmla="*/ 27709 h 1163782"/>
-                <a:gd name="connsiteX4" fmla="*/ 228209 w 1142609"/>
-                <a:gd name="connsiteY4" fmla="*/ 69273 h 1163782"/>
-                <a:gd name="connsiteX5" fmla="*/ 269772 w 1142609"/>
-                <a:gd name="connsiteY5" fmla="*/ 83127 h 1163782"/>
-                <a:gd name="connsiteX6" fmla="*/ 297482 w 1142609"/>
-                <a:gd name="connsiteY6" fmla="*/ 110836 h 1163782"/>
-                <a:gd name="connsiteX7" fmla="*/ 311336 w 1142609"/>
-                <a:gd name="connsiteY7" fmla="*/ 152400 h 1163782"/>
-                <a:gd name="connsiteX8" fmla="*/ 339045 w 1142609"/>
-                <a:gd name="connsiteY8" fmla="*/ 207818 h 1163782"/>
-                <a:gd name="connsiteX9" fmla="*/ 352900 w 1142609"/>
-                <a:gd name="connsiteY9" fmla="*/ 263236 h 1163782"/>
-                <a:gd name="connsiteX10" fmla="*/ 380609 w 1142609"/>
-                <a:gd name="connsiteY10" fmla="*/ 346364 h 1163782"/>
-                <a:gd name="connsiteX11" fmla="*/ 463736 w 1142609"/>
-                <a:gd name="connsiteY11" fmla="*/ 374073 h 1163782"/>
-                <a:gd name="connsiteX12" fmla="*/ 643845 w 1142609"/>
-                <a:gd name="connsiteY12" fmla="*/ 360218 h 1163782"/>
-                <a:gd name="connsiteX13" fmla="*/ 685409 w 1142609"/>
-                <a:gd name="connsiteY13" fmla="*/ 346364 h 1163782"/>
-                <a:gd name="connsiteX14" fmla="*/ 713118 w 1142609"/>
-                <a:gd name="connsiteY14" fmla="*/ 318654 h 1163782"/>
-                <a:gd name="connsiteX15" fmla="*/ 726972 w 1142609"/>
-                <a:gd name="connsiteY15" fmla="*/ 235527 h 1163782"/>
-                <a:gd name="connsiteX16" fmla="*/ 740827 w 1142609"/>
-                <a:gd name="connsiteY16" fmla="*/ 180109 h 1163782"/>
-                <a:gd name="connsiteX17" fmla="*/ 754682 w 1142609"/>
-                <a:gd name="connsiteY17" fmla="*/ 96982 h 1163782"/>
-                <a:gd name="connsiteX18" fmla="*/ 796245 w 1142609"/>
-                <a:gd name="connsiteY18" fmla="*/ 13854 h 1163782"/>
-                <a:gd name="connsiteX19" fmla="*/ 837809 w 1142609"/>
-                <a:gd name="connsiteY19" fmla="*/ 0 h 1163782"/>
-                <a:gd name="connsiteX20" fmla="*/ 934791 w 1142609"/>
-                <a:gd name="connsiteY20" fmla="*/ 13854 h 1163782"/>
-                <a:gd name="connsiteX21" fmla="*/ 990209 w 1142609"/>
-                <a:gd name="connsiteY21" fmla="*/ 96982 h 1163782"/>
-                <a:gd name="connsiteX22" fmla="*/ 1017918 w 1142609"/>
-                <a:gd name="connsiteY22" fmla="*/ 207818 h 1163782"/>
-                <a:gd name="connsiteX23" fmla="*/ 1031772 w 1142609"/>
-                <a:gd name="connsiteY23" fmla="*/ 249382 h 1163782"/>
-                <a:gd name="connsiteX24" fmla="*/ 1045627 w 1142609"/>
-                <a:gd name="connsiteY24" fmla="*/ 318654 h 1163782"/>
-                <a:gd name="connsiteX25" fmla="*/ 1073336 w 1142609"/>
-                <a:gd name="connsiteY25" fmla="*/ 346364 h 1163782"/>
-                <a:gd name="connsiteX26" fmla="*/ 1101045 w 1142609"/>
-                <a:gd name="connsiteY26" fmla="*/ 387927 h 1163782"/>
-                <a:gd name="connsiteX27" fmla="*/ 1114900 w 1142609"/>
-                <a:gd name="connsiteY27" fmla="*/ 429491 h 1163782"/>
-                <a:gd name="connsiteX28" fmla="*/ 1142609 w 1142609"/>
-                <a:gd name="connsiteY28" fmla="*/ 484909 h 1163782"/>
-                <a:gd name="connsiteX29" fmla="*/ 1128754 w 1142609"/>
-                <a:gd name="connsiteY29" fmla="*/ 748145 h 1163782"/>
-                <a:gd name="connsiteX30" fmla="*/ 1114900 w 1142609"/>
-                <a:gd name="connsiteY30" fmla="*/ 803564 h 1163782"/>
-                <a:gd name="connsiteX31" fmla="*/ 1073336 w 1142609"/>
-                <a:gd name="connsiteY31" fmla="*/ 928254 h 1163782"/>
-                <a:gd name="connsiteX32" fmla="*/ 1045627 w 1142609"/>
-                <a:gd name="connsiteY32" fmla="*/ 1011382 h 1163782"/>
-                <a:gd name="connsiteX33" fmla="*/ 962500 w 1142609"/>
-                <a:gd name="connsiteY33" fmla="*/ 1080654 h 1163782"/>
-                <a:gd name="connsiteX34" fmla="*/ 920936 w 1142609"/>
-                <a:gd name="connsiteY34" fmla="*/ 1122218 h 1163782"/>
-                <a:gd name="connsiteX35" fmla="*/ 837809 w 1142609"/>
-                <a:gd name="connsiteY35" fmla="*/ 1149927 h 1163782"/>
-                <a:gd name="connsiteX36" fmla="*/ 796245 w 1142609"/>
-                <a:gd name="connsiteY36" fmla="*/ 1163782 h 1163782"/>
-                <a:gd name="connsiteX37" fmla="*/ 574572 w 1142609"/>
-                <a:gd name="connsiteY37" fmla="*/ 1149927 h 1163782"/>
-                <a:gd name="connsiteX38" fmla="*/ 505300 w 1142609"/>
-                <a:gd name="connsiteY38" fmla="*/ 1136073 h 1163782"/>
-                <a:gd name="connsiteX39" fmla="*/ 339045 w 1142609"/>
-                <a:gd name="connsiteY39" fmla="*/ 1108364 h 1163782"/>
-                <a:gd name="connsiteX40" fmla="*/ 242063 w 1142609"/>
-                <a:gd name="connsiteY40" fmla="*/ 1066800 h 1163782"/>
-                <a:gd name="connsiteX41" fmla="*/ 158936 w 1142609"/>
-                <a:gd name="connsiteY41" fmla="*/ 1025236 h 1163782"/>
-                <a:gd name="connsiteX42" fmla="*/ 131227 w 1142609"/>
-                <a:gd name="connsiteY42" fmla="*/ 983673 h 1163782"/>
-                <a:gd name="connsiteX43" fmla="*/ 89663 w 1142609"/>
-                <a:gd name="connsiteY43" fmla="*/ 942109 h 1163782"/>
-                <a:gd name="connsiteX44" fmla="*/ 75809 w 1142609"/>
-                <a:gd name="connsiteY44" fmla="*/ 900545 h 1163782"/>
-                <a:gd name="connsiteX45" fmla="*/ 48100 w 1142609"/>
-                <a:gd name="connsiteY45" fmla="*/ 858982 h 1163782"/>
-                <a:gd name="connsiteX46" fmla="*/ 20391 w 1142609"/>
-                <a:gd name="connsiteY46" fmla="*/ 803564 h 1163782"/>
-                <a:gd name="connsiteX47" fmla="*/ 20391 w 1142609"/>
-                <a:gd name="connsiteY47" fmla="*/ 484909 h 1163782"/>
-                <a:gd name="connsiteX48" fmla="*/ 89663 w 1142609"/>
-                <a:gd name="connsiteY48" fmla="*/ 457200 h 1163782"/>
-              </a:gdLst>
-              <a:ahLst/>
-              <a:cxnLst>
-                <a:cxn ang="0">
-                  <a:pos x="connsiteX0" y="connsiteY0"/>
-                </a:cxn>
-                <a:cxn ang="0">
-                  <a:pos x="connsiteX1" y="connsiteY1"/>
-                </a:cxn>
-                <a:cxn ang="0">
-                  <a:pos x="connsiteX2" y="connsiteY2"/>
-                </a:cxn>
-                <a:cxn ang="0">
-                  <a:pos x="connsiteX3" y="connsiteY3"/>
-                </a:cxn>
-                <a:cxn ang="0">
-                  <a:pos x="connsiteX4" y="connsiteY4"/>
-                </a:cxn>
-                <a:cxn ang="0">
-                  <a:pos x="connsiteX5" y="connsiteY5"/>
-                </a:cxn>
-                <a:cxn ang="0">
-                  <a:pos x="connsiteX6" y="connsiteY6"/>
-                </a:cxn>
-                <a:cxn ang="0">
-                  <a:pos x="connsiteX7" y="connsiteY7"/>
-                </a:cxn>
-                <a:cxn ang="0">
-                  <a:pos x="connsiteX8" y="connsiteY8"/>
-                </a:cxn>
-                <a:cxn ang="0">
-                  <a:pos x="connsiteX9" y="connsiteY9"/>
-                </a:cxn>
-                <a:cxn ang="0">
-                  <a:pos x="connsiteX10" y="connsiteY10"/>
-                </a:cxn>
-                <a:cxn ang="0">
-                  <a:pos x="connsiteX11" y="connsiteY11"/>
-                </a:cxn>
-                <a:cxn ang="0">
-                  <a:pos x="connsiteX12" y="connsiteY12"/>
-                </a:cxn>
-                <a:cxn ang="0">
-                  <a:pos x="connsiteX13" y="connsiteY13"/>
-                </a:cxn>
-                <a:cxn ang="0">
-                  <a:pos x="connsiteX14" y="connsiteY14"/>
-                </a:cxn>
-                <a:cxn ang="0">
-                  <a:pos x="connsiteX15" y="connsiteY15"/>
-                </a:cxn>
-                <a:cxn ang="0">
-                  <a:pos x="connsiteX16" y="connsiteY16"/>
-                </a:cxn>
-                <a:cxn ang="0">
-                  <a:pos x="connsiteX17" y="connsiteY17"/>
-                </a:cxn>
-                <a:cxn ang="0">
-                  <a:pos x="connsiteX18" y="connsiteY18"/>
-                </a:cxn>
-                <a:cxn ang="0">
-                  <a:pos x="connsiteX19" y="connsiteY19"/>
-                </a:cxn>
-                <a:cxn ang="0">
-                  <a:pos x="connsiteX20" y="connsiteY20"/>
-                </a:cxn>
-                <a:cxn ang="0">
-                  <a:pos x="connsiteX21" y="connsiteY21"/>
-                </a:cxn>
-                <a:cxn ang="0">
-                  <a:pos x="connsiteX22" y="connsiteY22"/>
-                </a:cxn>
-                <a:cxn ang="0">
-                  <a:pos x="connsiteX23" y="connsiteY23"/>
-                </a:cxn>
-                <a:cxn ang="0">
-                  <a:pos x="connsiteX24" y="connsiteY24"/>
-                </a:cxn>
-                <a:cxn ang="0">
-                  <a:pos x="connsiteX25" y="connsiteY25"/>
-                </a:cxn>
-                <a:cxn ang="0">
-                  <a:pos x="connsiteX26" y="connsiteY26"/>
-                </a:cxn>
-                <a:cxn ang="0">
-                  <a:pos x="connsiteX27" y="connsiteY27"/>
-                </a:cxn>
-                <a:cxn ang="0">
-                  <a:pos x="connsiteX28" y="connsiteY28"/>
-                </a:cxn>
-                <a:cxn ang="0">
-                  <a:pos x="connsiteX29" y="connsiteY29"/>
-                </a:cxn>
-                <a:cxn ang="0">
-                  <a:pos x="connsiteX30" y="connsiteY30"/>
-                </a:cxn>
-                <a:cxn ang="0">
-                  <a:pos x="connsiteX31" y="connsiteY31"/>
-                </a:cxn>
-                <a:cxn ang="0">
-                  <a:pos x="connsiteX32" y="connsiteY32"/>
-                </a:cxn>
-                <a:cxn ang="0">
-                  <a:pos x="connsiteX33" y="connsiteY33"/>
-                </a:cxn>
-                <a:cxn ang="0">
-                  <a:pos x="connsiteX34" y="connsiteY34"/>
-                </a:cxn>
-                <a:cxn ang="0">
-                  <a:pos x="connsiteX35" y="connsiteY35"/>
-                </a:cxn>
-                <a:cxn ang="0">
-                  <a:pos x="connsiteX36" y="connsiteY36"/>
-                </a:cxn>
-                <a:cxn ang="0">
-                  <a:pos x="connsiteX37" y="connsiteY37"/>
-                </a:cxn>
-                <a:cxn ang="0">
-                  <a:pos x="connsiteX38" y="connsiteY38"/>
-                </a:cxn>
-                <a:cxn ang="0">
-                  <a:pos x="connsiteX39" y="connsiteY39"/>
-                </a:cxn>
-                <a:cxn ang="0">
-                  <a:pos x="connsiteX40" y="connsiteY40"/>
-                </a:cxn>
-                <a:cxn ang="0">
-                  <a:pos x="connsiteX41" y="connsiteY41"/>
-                </a:cxn>
-                <a:cxn ang="0">
-                  <a:pos x="connsiteX42" y="connsiteY42"/>
-                </a:cxn>
-                <a:cxn ang="0">
-                  <a:pos x="connsiteX43" y="connsiteY43"/>
-                </a:cxn>
-                <a:cxn ang="0">
-                  <a:pos x="connsiteX44" y="connsiteY44"/>
-                </a:cxn>
-                <a:cxn ang="0">
-                  <a:pos x="connsiteX45" y="connsiteY45"/>
-                </a:cxn>
-                <a:cxn ang="0">
-                  <a:pos x="connsiteX46" y="connsiteY46"/>
-                </a:cxn>
-                <a:cxn ang="0">
-                  <a:pos x="connsiteX47" y="connsiteY47"/>
-                </a:cxn>
-                <a:cxn ang="0">
-                  <a:pos x="connsiteX48" y="connsiteY48"/>
-                </a:cxn>
-              </a:cxnLst>
-              <a:rect l="l" t="t" r="r" b="b"/>
-              <a:pathLst>
-                <a:path w="1142609" h="1163782">
-                  <a:moveTo>
-                    <a:pt x="89663" y="457200"/>
-                  </a:moveTo>
-                  <a:cubicBezTo>
-                    <a:pt x="101208" y="394854"/>
-                    <a:pt x="63732" y="275065"/>
-                    <a:pt x="89663" y="110836"/>
-                  </a:cubicBezTo>
-                  <a:cubicBezTo>
-                    <a:pt x="92884" y="90436"/>
-                    <a:pt x="102768" y="70022"/>
-                    <a:pt x="117372" y="55418"/>
-                  </a:cubicBezTo>
-                  <a:cubicBezTo>
-                    <a:pt x="123996" y="48795"/>
-                    <a:pt x="213877" y="27828"/>
-                    <a:pt x="214354" y="27709"/>
-                  </a:cubicBezTo>
-                  <a:cubicBezTo>
-                    <a:pt x="218972" y="41564"/>
-                    <a:pt x="217882" y="58946"/>
-                    <a:pt x="228209" y="69273"/>
-                  </a:cubicBezTo>
-                  <a:cubicBezTo>
-                    <a:pt x="238535" y="79599"/>
-                    <a:pt x="257249" y="75614"/>
-                    <a:pt x="269772" y="83127"/>
-                  </a:cubicBezTo>
-                  <a:cubicBezTo>
-                    <a:pt x="280973" y="89847"/>
-                    <a:pt x="288245" y="101600"/>
-                    <a:pt x="297482" y="110836"/>
-                  </a:cubicBezTo>
-                  <a:cubicBezTo>
-                    <a:pt x="302100" y="124691"/>
-                    <a:pt x="305583" y="138977"/>
-                    <a:pt x="311336" y="152400"/>
-                  </a:cubicBezTo>
-                  <a:cubicBezTo>
-                    <a:pt x="319472" y="171383"/>
-                    <a:pt x="331793" y="188480"/>
-                    <a:pt x="339045" y="207818"/>
-                  </a:cubicBezTo>
-                  <a:cubicBezTo>
-                    <a:pt x="345731" y="225647"/>
-                    <a:pt x="347429" y="244998"/>
-                    <a:pt x="352900" y="263236"/>
-                  </a:cubicBezTo>
-                  <a:cubicBezTo>
-                    <a:pt x="361293" y="291212"/>
-                    <a:pt x="359956" y="325711"/>
-                    <a:pt x="380609" y="346364"/>
-                  </a:cubicBezTo>
-                  <a:cubicBezTo>
-                    <a:pt x="401262" y="367017"/>
-                    <a:pt x="463736" y="374073"/>
-                    <a:pt x="463736" y="374073"/>
-                  </a:cubicBezTo>
-                  <a:cubicBezTo>
-                    <a:pt x="523772" y="369455"/>
-                    <a:pt x="584096" y="367687"/>
-                    <a:pt x="643845" y="360218"/>
-                  </a:cubicBezTo>
-                  <a:cubicBezTo>
-                    <a:pt x="658336" y="358407"/>
-                    <a:pt x="672886" y="353878"/>
-                    <a:pt x="685409" y="346364"/>
-                  </a:cubicBezTo>
-                  <a:cubicBezTo>
-                    <a:pt x="696610" y="339643"/>
-                    <a:pt x="703882" y="327891"/>
-                    <a:pt x="713118" y="318654"/>
-                  </a:cubicBezTo>
-                  <a:cubicBezTo>
-                    <a:pt x="717736" y="290945"/>
-                    <a:pt x="721463" y="263073"/>
-                    <a:pt x="726972" y="235527"/>
-                  </a:cubicBezTo>
-                  <a:cubicBezTo>
-                    <a:pt x="730706" y="216856"/>
-                    <a:pt x="737093" y="198780"/>
-                    <a:pt x="740827" y="180109"/>
-                  </a:cubicBezTo>
-                  <a:cubicBezTo>
-                    <a:pt x="746336" y="152563"/>
-                    <a:pt x="749173" y="124528"/>
-                    <a:pt x="754682" y="96982"/>
-                  </a:cubicBezTo>
-                  <a:cubicBezTo>
-                    <a:pt x="762379" y="58496"/>
-                    <a:pt x="761469" y="34720"/>
-                    <a:pt x="796245" y="13854"/>
-                  </a:cubicBezTo>
-                  <a:cubicBezTo>
-                    <a:pt x="808768" y="6340"/>
-                    <a:pt x="823954" y="4618"/>
-                    <a:pt x="837809" y="0"/>
-                  </a:cubicBezTo>
-                  <a:cubicBezTo>
-                    <a:pt x="870136" y="4618"/>
-                    <a:pt x="907241" y="-3678"/>
-                    <a:pt x="934791" y="13854"/>
-                  </a:cubicBezTo>
-                  <a:cubicBezTo>
-                    <a:pt x="962887" y="31733"/>
-                    <a:pt x="990209" y="96982"/>
-                    <a:pt x="990209" y="96982"/>
-                  </a:cubicBezTo>
-                  <a:cubicBezTo>
-                    <a:pt x="999445" y="133927"/>
-                    <a:pt x="1005876" y="171690"/>
-                    <a:pt x="1017918" y="207818"/>
-                  </a:cubicBezTo>
-                  <a:cubicBezTo>
-                    <a:pt x="1022536" y="221673"/>
-                    <a:pt x="1028230" y="235214"/>
-                    <a:pt x="1031772" y="249382"/>
-                  </a:cubicBezTo>
-                  <a:cubicBezTo>
-                    <a:pt x="1037483" y="272227"/>
-                    <a:pt x="1036351" y="297010"/>
-                    <a:pt x="1045627" y="318654"/>
-                  </a:cubicBezTo>
-                  <a:cubicBezTo>
-                    <a:pt x="1050773" y="330660"/>
-                    <a:pt x="1065176" y="336164"/>
-                    <a:pt x="1073336" y="346364"/>
-                  </a:cubicBezTo>
-                  <a:cubicBezTo>
-                    <a:pt x="1083738" y="359366"/>
-                    <a:pt x="1093598" y="373034"/>
-                    <a:pt x="1101045" y="387927"/>
-                  </a:cubicBezTo>
-                  <a:cubicBezTo>
-                    <a:pt x="1107576" y="400989"/>
-                    <a:pt x="1109147" y="416068"/>
-                    <a:pt x="1114900" y="429491"/>
-                  </a:cubicBezTo>
-                  <a:cubicBezTo>
-                    <a:pt x="1123036" y="448474"/>
-                    <a:pt x="1133373" y="466436"/>
-                    <a:pt x="1142609" y="484909"/>
-                  </a:cubicBezTo>
-                  <a:cubicBezTo>
-                    <a:pt x="1137991" y="572654"/>
-                    <a:pt x="1136366" y="660609"/>
-                    <a:pt x="1128754" y="748145"/>
-                  </a:cubicBezTo>
-                  <a:cubicBezTo>
-                    <a:pt x="1127104" y="767115"/>
-                    <a:pt x="1120371" y="785326"/>
-                    <a:pt x="1114900" y="803564"/>
-                  </a:cubicBezTo>
-                  <a:cubicBezTo>
-                    <a:pt x="1114880" y="803631"/>
-                    <a:pt x="1080274" y="907439"/>
-                    <a:pt x="1073336" y="928254"/>
-                  </a:cubicBezTo>
-                  <a:lnTo>
-                    <a:pt x="1045627" y="1011382"/>
-                  </a:lnTo>
-                  <a:cubicBezTo>
-                    <a:pt x="924187" y="1132819"/>
-                    <a:pt x="1078241" y="984203"/>
-                    <a:pt x="962500" y="1080654"/>
-                  </a:cubicBezTo>
-                  <a:cubicBezTo>
-                    <a:pt x="947448" y="1093197"/>
-                    <a:pt x="938064" y="1112703"/>
-                    <a:pt x="920936" y="1122218"/>
-                  </a:cubicBezTo>
-                  <a:cubicBezTo>
-                    <a:pt x="895404" y="1136403"/>
-                    <a:pt x="865518" y="1140691"/>
-                    <a:pt x="837809" y="1149927"/>
-                  </a:cubicBezTo>
-                  <a:lnTo>
-                    <a:pt x="796245" y="1163782"/>
-                  </a:lnTo>
-                  <a:cubicBezTo>
-                    <a:pt x="722354" y="1159164"/>
-                    <a:pt x="648274" y="1156946"/>
-                    <a:pt x="574572" y="1149927"/>
-                  </a:cubicBezTo>
-                  <a:cubicBezTo>
-                    <a:pt x="551130" y="1147694"/>
-                    <a:pt x="528490" y="1140165"/>
-                    <a:pt x="505300" y="1136073"/>
-                  </a:cubicBezTo>
-                  <a:lnTo>
-                    <a:pt x="339045" y="1108364"/>
-                  </a:lnTo>
-                  <a:cubicBezTo>
-                    <a:pt x="241573" y="1075872"/>
-                    <a:pt x="361903" y="1118161"/>
-                    <a:pt x="242063" y="1066800"/>
-                  </a:cubicBezTo>
-                  <a:cubicBezTo>
-                    <a:pt x="161762" y="1032385"/>
-                    <a:pt x="238809" y="1078484"/>
-                    <a:pt x="158936" y="1025236"/>
-                  </a:cubicBezTo>
-                  <a:cubicBezTo>
-                    <a:pt x="149700" y="1011382"/>
-                    <a:pt x="141887" y="996465"/>
-                    <a:pt x="131227" y="983673"/>
-                  </a:cubicBezTo>
-                  <a:cubicBezTo>
-                    <a:pt x="118684" y="968621"/>
-                    <a:pt x="100531" y="958412"/>
-                    <a:pt x="89663" y="942109"/>
-                  </a:cubicBezTo>
-                  <a:cubicBezTo>
-                    <a:pt x="81562" y="929958"/>
-                    <a:pt x="82340" y="913607"/>
-                    <a:pt x="75809" y="900545"/>
-                  </a:cubicBezTo>
-                  <a:cubicBezTo>
-                    <a:pt x="68363" y="885652"/>
-                    <a:pt x="56361" y="873439"/>
-                    <a:pt x="48100" y="858982"/>
-                  </a:cubicBezTo>
-                  <a:cubicBezTo>
-                    <a:pt x="37853" y="841050"/>
-                    <a:pt x="29627" y="822037"/>
-                    <a:pt x="20391" y="803564"/>
-                  </a:cubicBezTo>
-                  <a:cubicBezTo>
-                    <a:pt x="-83" y="680725"/>
-                    <a:pt x="-12781" y="642477"/>
-                    <a:pt x="20391" y="484909"/>
-                  </a:cubicBezTo>
-                  <a:cubicBezTo>
-                    <a:pt x="22358" y="475567"/>
-                    <a:pt x="78118" y="519546"/>
-                    <a:pt x="89663" y="457200"/>
-                  </a:cubicBezTo>
-                  <a:close/>
-                </a:path>
-              </a:pathLst>
-            </a:custGeom>
-            <a:grpFill/>
-          </p:spPr>
-          <p:style>
-            <a:lnRef idx="2">
-              <a:schemeClr val="accent1">
-                <a:shade val="50000"/>
-              </a:schemeClr>
-            </a:lnRef>
-            <a:fillRef idx="1">
-              <a:schemeClr val="accent1"/>
-            </a:fillRef>
-            <a:effectRef idx="0">
-              <a:schemeClr val="accent1"/>
-            </a:effectRef>
-            <a:fontRef idx="minor">
-              <a:schemeClr val="lt1"/>
-            </a:fontRef>
-          </p:style>
-          <p:txBody>
-            <a:bodyPr rtlCol="0" anchor="ctr"/>
-            <a:lstStyle/>
-            <a:p>
-              <a:pPr algn="ctr"/>
-              <a:endParaRPr lang="ko-KR" altLang="en-US"/>
-            </a:p>
-          </p:txBody>
-        </p:sp>
-        <p:sp>
-          <p:nvSpPr>
-            <p:cNvPr id="9" name="자유형 8"/>
-            <p:cNvSpPr/>
-            <p:nvPr/>
-          </p:nvSpPr>
-          <p:spPr>
-            <a:xfrm>
-              <a:off x="1305337" y="1246910"/>
-              <a:ext cx="156209" cy="173004"/>
-            </a:xfrm>
-            <a:custGeom>
-              <a:avLst/>
-              <a:gdLst>
-                <a:gd name="connsiteX0" fmla="*/ 17558 w 156209"/>
-                <a:gd name="connsiteY0" fmla="*/ 0 h 173004"/>
-                <a:gd name="connsiteX1" fmla="*/ 17558 w 156209"/>
-                <a:gd name="connsiteY1" fmla="*/ 166254 h 173004"/>
-                <a:gd name="connsiteX2" fmla="*/ 114540 w 156209"/>
-                <a:gd name="connsiteY2" fmla="*/ 152400 h 173004"/>
-                <a:gd name="connsiteX3" fmla="*/ 142249 w 156209"/>
-                <a:gd name="connsiteY3" fmla="*/ 110836 h 173004"/>
-                <a:gd name="connsiteX4" fmla="*/ 156103 w 156209"/>
-                <a:gd name="connsiteY4" fmla="*/ 27709 h 173004"/>
-              </a:gdLst>
-              <a:ahLst/>
-              <a:cxnLst>
-                <a:cxn ang="0">
-                  <a:pos x="connsiteX0" y="connsiteY0"/>
-                </a:cxn>
-                <a:cxn ang="0">
-                  <a:pos x="connsiteX1" y="connsiteY1"/>
-                </a:cxn>
-                <a:cxn ang="0">
-                  <a:pos x="connsiteX2" y="connsiteY2"/>
-                </a:cxn>
-                <a:cxn ang="0">
-                  <a:pos x="connsiteX3" y="connsiteY3"/>
-                </a:cxn>
-                <a:cxn ang="0">
-                  <a:pos x="connsiteX4" y="connsiteY4"/>
-                </a:cxn>
-              </a:cxnLst>
-              <a:rect l="l" t="t" r="r" b="b"/>
-              <a:pathLst>
-                <a:path w="156209" h="173004">
-                  <a:moveTo>
-                    <a:pt x="17558" y="0"/>
-                  </a:moveTo>
-                  <a:cubicBezTo>
-                    <a:pt x="10768" y="33946"/>
-                    <a:pt x="-18307" y="139355"/>
-                    <a:pt x="17558" y="166254"/>
-                  </a:cubicBezTo>
-                  <a:cubicBezTo>
-                    <a:pt x="43682" y="185847"/>
-                    <a:pt x="82213" y="157018"/>
-                    <a:pt x="114540" y="152400"/>
-                  </a:cubicBezTo>
-                  <a:cubicBezTo>
-                    <a:pt x="123776" y="138545"/>
-                    <a:pt x="135690" y="126141"/>
-                    <a:pt x="142249" y="110836"/>
-                  </a:cubicBezTo>
-                  <a:cubicBezTo>
-                    <a:pt x="158343" y="73283"/>
-                    <a:pt x="156103" y="61447"/>
-                    <a:pt x="156103" y="27709"/>
-                  </a:cubicBezTo>
-                </a:path>
-              </a:pathLst>
-            </a:custGeom>
-            <a:solidFill>
-              <a:schemeClr val="accent2"/>
-            </a:solidFill>
-          </p:spPr>
-          <p:style>
-            <a:lnRef idx="2">
-              <a:schemeClr val="accent1">
-                <a:shade val="50000"/>
-              </a:schemeClr>
-            </a:lnRef>
-            <a:fillRef idx="1">
-              <a:schemeClr val="accent1"/>
-            </a:fillRef>
-            <a:effectRef idx="0">
-              <a:schemeClr val="accent1"/>
-            </a:effectRef>
-            <a:fontRef idx="minor">
-              <a:schemeClr val="lt1"/>
-            </a:fontRef>
-          </p:style>
-          <p:txBody>
-            <a:bodyPr rtlCol="0" anchor="ctr"/>
-            <a:lstStyle/>
-            <a:p>
-              <a:pPr algn="ctr"/>
-              <a:endParaRPr lang="ko-KR" altLang="en-US"/>
-            </a:p>
-          </p:txBody>
-        </p:sp>
-        <p:sp>
-          <p:nvSpPr>
-            <p:cNvPr id="5" name="자유형 4"/>
-            <p:cNvSpPr/>
-            <p:nvPr/>
-          </p:nvSpPr>
-          <p:spPr>
-            <a:xfrm>
-              <a:off x="1065991" y="969818"/>
-              <a:ext cx="83936" cy="138546"/>
-            </a:xfrm>
-            <a:custGeom>
-              <a:avLst/>
-              <a:gdLst>
-                <a:gd name="connsiteX0" fmla="*/ 83936 w 83936"/>
-                <a:gd name="connsiteY0" fmla="*/ 0 h 138546"/>
-                <a:gd name="connsiteX1" fmla="*/ 70082 w 83936"/>
-                <a:gd name="connsiteY1" fmla="*/ 41564 h 138546"/>
-                <a:gd name="connsiteX2" fmla="*/ 14664 w 83936"/>
-                <a:gd name="connsiteY2" fmla="*/ 138546 h 138546"/>
-                <a:gd name="connsiteX3" fmla="*/ 809 w 83936"/>
-                <a:gd name="connsiteY3" fmla="*/ 41564 h 138546"/>
-              </a:gdLst>
-              <a:ahLst/>
-              <a:cxnLst>
-                <a:cxn ang="0">
-                  <a:pos x="connsiteX0" y="connsiteY0"/>
-                </a:cxn>
-                <a:cxn ang="0">
-                  <a:pos x="connsiteX1" y="connsiteY1"/>
-                </a:cxn>
-                <a:cxn ang="0">
-                  <a:pos x="connsiteX2" y="connsiteY2"/>
-                </a:cxn>
-                <a:cxn ang="0">
-                  <a:pos x="connsiteX3" y="connsiteY3"/>
-                </a:cxn>
-              </a:cxnLst>
-              <a:rect l="l" t="t" r="r" b="b"/>
-              <a:pathLst>
-                <a:path w="83936" h="138546">
-                  <a:moveTo>
-                    <a:pt x="83936" y="0"/>
-                  </a:moveTo>
-                  <a:cubicBezTo>
-                    <a:pt x="-78770" y="65083"/>
-                    <a:pt x="48539" y="-1524"/>
-                    <a:pt x="70082" y="41564"/>
-                  </a:cubicBezTo>
-                  <a:cubicBezTo>
-                    <a:pt x="97901" y="97204"/>
-                    <a:pt x="44043" y="118959"/>
-                    <a:pt x="14664" y="138546"/>
-                  </a:cubicBezTo>
-                  <a:cubicBezTo>
-                    <a:pt x="-5033" y="79457"/>
-                    <a:pt x="809" y="111586"/>
-                    <a:pt x="809" y="41564"/>
-                  </a:cubicBezTo>
-                </a:path>
-              </a:pathLst>
-            </a:custGeom>
-            <a:solidFill>
-              <a:schemeClr val="tx1"/>
-            </a:solidFill>
-            <a:ln>
-              <a:solidFill>
-                <a:schemeClr val="tx1"/>
-              </a:solidFill>
-            </a:ln>
-          </p:spPr>
-          <p:style>
-            <a:lnRef idx="2">
-              <a:schemeClr val="accent1">
-                <a:shade val="50000"/>
-              </a:schemeClr>
-            </a:lnRef>
-            <a:fillRef idx="1">
-              <a:schemeClr val="accent1"/>
-            </a:fillRef>
-            <a:effectRef idx="0">
-              <a:schemeClr val="accent1"/>
-            </a:effectRef>
-            <a:fontRef idx="minor">
-              <a:schemeClr val="lt1"/>
-            </a:fontRef>
-          </p:style>
-          <p:txBody>
-            <a:bodyPr rtlCol="0" anchor="ctr"/>
-            <a:lstStyle/>
-            <a:p>
-              <a:pPr algn="ctr"/>
-              <a:endParaRPr lang="ko-KR" altLang="en-US"/>
-            </a:p>
-          </p:txBody>
-        </p:sp>
-        <p:sp>
-          <p:nvSpPr>
-            <p:cNvPr id="6" name="자유형 5"/>
-            <p:cNvSpPr/>
-            <p:nvPr/>
-          </p:nvSpPr>
-          <p:spPr>
-            <a:xfrm>
-              <a:off x="1475656" y="969818"/>
-              <a:ext cx="83936" cy="138546"/>
-            </a:xfrm>
-            <a:custGeom>
-              <a:avLst/>
-              <a:gdLst>
-                <a:gd name="connsiteX0" fmla="*/ 83936 w 83936"/>
-                <a:gd name="connsiteY0" fmla="*/ 0 h 138546"/>
-                <a:gd name="connsiteX1" fmla="*/ 70082 w 83936"/>
-                <a:gd name="connsiteY1" fmla="*/ 41564 h 138546"/>
-                <a:gd name="connsiteX2" fmla="*/ 14664 w 83936"/>
-                <a:gd name="connsiteY2" fmla="*/ 138546 h 138546"/>
-                <a:gd name="connsiteX3" fmla="*/ 809 w 83936"/>
-                <a:gd name="connsiteY3" fmla="*/ 41564 h 138546"/>
-              </a:gdLst>
-              <a:ahLst/>
-              <a:cxnLst>
-                <a:cxn ang="0">
-                  <a:pos x="connsiteX0" y="connsiteY0"/>
-                </a:cxn>
-                <a:cxn ang="0">
-                  <a:pos x="connsiteX1" y="connsiteY1"/>
-                </a:cxn>
-                <a:cxn ang="0">
-                  <a:pos x="connsiteX2" y="connsiteY2"/>
-                </a:cxn>
-                <a:cxn ang="0">
-                  <a:pos x="connsiteX3" y="connsiteY3"/>
-                </a:cxn>
-              </a:cxnLst>
-              <a:rect l="l" t="t" r="r" b="b"/>
-              <a:pathLst>
-                <a:path w="83936" h="138546">
-                  <a:moveTo>
-                    <a:pt x="83936" y="0"/>
-                  </a:moveTo>
-                  <a:cubicBezTo>
-                    <a:pt x="-78770" y="65083"/>
-                    <a:pt x="48539" y="-1524"/>
-                    <a:pt x="70082" y="41564"/>
-                  </a:cubicBezTo>
-                  <a:cubicBezTo>
-                    <a:pt x="97901" y="97204"/>
-                    <a:pt x="44043" y="118959"/>
-                    <a:pt x="14664" y="138546"/>
-                  </a:cubicBezTo>
-                  <a:cubicBezTo>
-                    <a:pt x="-5033" y="79457"/>
-                    <a:pt x="809" y="111586"/>
-                    <a:pt x="809" y="41564"/>
-                  </a:cubicBezTo>
-                </a:path>
-              </a:pathLst>
-            </a:custGeom>
-            <a:solidFill>
-              <a:schemeClr val="tx1"/>
-            </a:solidFill>
-            <a:ln>
-              <a:solidFill>
-                <a:schemeClr val="tx1"/>
-              </a:solidFill>
-            </a:ln>
-          </p:spPr>
-          <p:style>
-            <a:lnRef idx="2">
-              <a:schemeClr val="accent1">
-                <a:shade val="50000"/>
-              </a:schemeClr>
-            </a:lnRef>
-            <a:fillRef idx="1">
-              <a:schemeClr val="accent1"/>
-            </a:fillRef>
-            <a:effectRef idx="0">
-              <a:schemeClr val="accent1"/>
-            </a:effectRef>
-            <a:fontRef idx="minor">
-              <a:schemeClr val="lt1"/>
-            </a:fontRef>
-          </p:style>
-          <p:txBody>
-            <a:bodyPr rtlCol="0" anchor="ctr"/>
-            <a:lstStyle/>
-            <a:p>
-              <a:pPr algn="ctr"/>
-              <a:endParaRPr lang="ko-KR" altLang="en-US"/>
-            </a:p>
-          </p:txBody>
-        </p:sp>
-        <p:sp>
-          <p:nvSpPr>
-            <p:cNvPr id="7" name="자유형 6"/>
-            <p:cNvSpPr/>
-            <p:nvPr/>
-          </p:nvSpPr>
-          <p:spPr>
-            <a:xfrm>
-              <a:off x="1205345" y="1163782"/>
-              <a:ext cx="361962" cy="138545"/>
-            </a:xfrm>
-            <a:custGeom>
-              <a:avLst/>
-              <a:gdLst>
-                <a:gd name="connsiteX0" fmla="*/ 0 w 361962"/>
-                <a:gd name="connsiteY0" fmla="*/ 83127 h 138545"/>
-                <a:gd name="connsiteX1" fmla="*/ 152400 w 361962"/>
-                <a:gd name="connsiteY1" fmla="*/ 83127 h 138545"/>
-                <a:gd name="connsiteX2" fmla="*/ 166255 w 361962"/>
-                <a:gd name="connsiteY2" fmla="*/ 0 h 138545"/>
-                <a:gd name="connsiteX3" fmla="*/ 207819 w 361962"/>
-                <a:gd name="connsiteY3" fmla="*/ 13854 h 138545"/>
-                <a:gd name="connsiteX4" fmla="*/ 235528 w 361962"/>
-                <a:gd name="connsiteY4" fmla="*/ 96982 h 138545"/>
-                <a:gd name="connsiteX5" fmla="*/ 263237 w 361962"/>
-                <a:gd name="connsiteY5" fmla="*/ 138545 h 138545"/>
-                <a:gd name="connsiteX6" fmla="*/ 360219 w 361962"/>
-                <a:gd name="connsiteY6" fmla="*/ 55418 h 138545"/>
-              </a:gdLst>
-              <a:ahLst/>
-              <a:cxnLst>
-                <a:cxn ang="0">
-                  <a:pos x="connsiteX0" y="connsiteY0"/>
-                </a:cxn>
-                <a:cxn ang="0">
-                  <a:pos x="connsiteX1" y="connsiteY1"/>
-                </a:cxn>
-                <a:cxn ang="0">
-                  <a:pos x="connsiteX2" y="connsiteY2"/>
-                </a:cxn>
-                <a:cxn ang="0">
-                  <a:pos x="connsiteX3" y="connsiteY3"/>
-                </a:cxn>
-                <a:cxn ang="0">
-                  <a:pos x="connsiteX4" y="connsiteY4"/>
-                </a:cxn>
-                <a:cxn ang="0">
-                  <a:pos x="connsiteX5" y="connsiteY5"/>
-                </a:cxn>
-                <a:cxn ang="0">
-                  <a:pos x="connsiteX6" y="connsiteY6"/>
-                </a:cxn>
-              </a:cxnLst>
-              <a:rect l="l" t="t" r="r" b="b"/>
-              <a:pathLst>
-                <a:path w="361962" h="138545">
-                  <a:moveTo>
-                    <a:pt x="0" y="83127"/>
-                  </a:moveTo>
-                  <a:cubicBezTo>
-                    <a:pt x="34906" y="90108"/>
-                    <a:pt x="119902" y="115625"/>
-                    <a:pt x="152400" y="83127"/>
-                  </a:cubicBezTo>
-                  <a:cubicBezTo>
-                    <a:pt x="172264" y="63263"/>
-                    <a:pt x="161637" y="27709"/>
-                    <a:pt x="166255" y="0"/>
-                  </a:cubicBezTo>
-                  <a:cubicBezTo>
-                    <a:pt x="180110" y="4618"/>
-                    <a:pt x="199331" y="1970"/>
-                    <a:pt x="207819" y="13854"/>
-                  </a:cubicBezTo>
-                  <a:cubicBezTo>
-                    <a:pt x="224796" y="37622"/>
-                    <a:pt x="219326" y="72679"/>
-                    <a:pt x="235528" y="96982"/>
-                  </a:cubicBezTo>
-                  <a:lnTo>
-                    <a:pt x="263237" y="138545"/>
-                  </a:lnTo>
-                  <a:cubicBezTo>
-                    <a:pt x="383078" y="121426"/>
-                    <a:pt x="360219" y="157347"/>
-                    <a:pt x="360219" y="55418"/>
-                  </a:cubicBezTo>
-                </a:path>
-              </a:pathLst>
-            </a:custGeom>
-            <a:grpFill/>
-          </p:spPr>
-          <p:style>
-            <a:lnRef idx="2">
-              <a:schemeClr val="accent1">
-                <a:shade val="50000"/>
-              </a:schemeClr>
-            </a:lnRef>
-            <a:fillRef idx="1">
-              <a:schemeClr val="accent1"/>
-            </a:fillRef>
-            <a:effectRef idx="0">
-              <a:schemeClr val="accent1"/>
-            </a:effectRef>
-            <a:fontRef idx="minor">
-              <a:schemeClr val="lt1"/>
-            </a:fontRef>
-          </p:style>
-          <p:txBody>
-            <a:bodyPr rtlCol="0" anchor="ctr"/>
-            <a:lstStyle/>
-            <a:p>
-              <a:pPr algn="ctr"/>
-              <a:endParaRPr lang="ko-KR" altLang="en-US"/>
-            </a:p>
-          </p:txBody>
-        </p:sp>
-        <p:sp>
-          <p:nvSpPr>
-            <p:cNvPr id="8" name="자유형 7"/>
-            <p:cNvSpPr/>
-            <p:nvPr/>
-          </p:nvSpPr>
-          <p:spPr>
-            <a:xfrm>
-              <a:off x="1344358" y="1108364"/>
-              <a:ext cx="83936" cy="138546"/>
-            </a:xfrm>
-            <a:custGeom>
-              <a:avLst/>
-              <a:gdLst>
-                <a:gd name="connsiteX0" fmla="*/ 83936 w 83936"/>
-                <a:gd name="connsiteY0" fmla="*/ 0 h 138546"/>
-                <a:gd name="connsiteX1" fmla="*/ 70082 w 83936"/>
-                <a:gd name="connsiteY1" fmla="*/ 41564 h 138546"/>
-                <a:gd name="connsiteX2" fmla="*/ 14664 w 83936"/>
-                <a:gd name="connsiteY2" fmla="*/ 138546 h 138546"/>
-                <a:gd name="connsiteX3" fmla="*/ 809 w 83936"/>
-                <a:gd name="connsiteY3" fmla="*/ 41564 h 138546"/>
-              </a:gdLst>
-              <a:ahLst/>
-              <a:cxnLst>
-                <a:cxn ang="0">
-                  <a:pos x="connsiteX0" y="connsiteY0"/>
-                </a:cxn>
-                <a:cxn ang="0">
-                  <a:pos x="connsiteX1" y="connsiteY1"/>
-                </a:cxn>
-                <a:cxn ang="0">
-                  <a:pos x="connsiteX2" y="connsiteY2"/>
-                </a:cxn>
-                <a:cxn ang="0">
-                  <a:pos x="connsiteX3" y="connsiteY3"/>
-                </a:cxn>
-              </a:cxnLst>
-              <a:rect l="l" t="t" r="r" b="b"/>
-              <a:pathLst>
-                <a:path w="83936" h="138546">
-                  <a:moveTo>
-                    <a:pt x="83936" y="0"/>
-                  </a:moveTo>
-                  <a:cubicBezTo>
-                    <a:pt x="-78770" y="65083"/>
-                    <a:pt x="48539" y="-1524"/>
-                    <a:pt x="70082" y="41564"/>
-                  </a:cubicBezTo>
-                  <a:cubicBezTo>
-                    <a:pt x="97901" y="97204"/>
-                    <a:pt x="44043" y="118959"/>
-                    <a:pt x="14664" y="138546"/>
-                  </a:cubicBezTo>
-                  <a:cubicBezTo>
-                    <a:pt x="-5033" y="79457"/>
-                    <a:pt x="809" y="111586"/>
-                    <a:pt x="809" y="41564"/>
-                  </a:cubicBezTo>
-                </a:path>
-              </a:pathLst>
-            </a:custGeom>
-            <a:solidFill>
-              <a:schemeClr val="tx1"/>
-            </a:solidFill>
-            <a:ln>
-              <a:solidFill>
-                <a:schemeClr val="tx1"/>
-              </a:solidFill>
-            </a:ln>
-          </p:spPr>
-          <p:style>
-            <a:lnRef idx="2">
-              <a:schemeClr val="accent1">
-                <a:shade val="50000"/>
-              </a:schemeClr>
-            </a:lnRef>
-            <a:fillRef idx="1">
-              <a:schemeClr val="accent1"/>
-            </a:fillRef>
-            <a:effectRef idx="0">
-              <a:schemeClr val="accent1"/>
-            </a:effectRef>
-            <a:fontRef idx="minor">
-              <a:schemeClr val="lt1"/>
-            </a:fontRef>
-          </p:style>
-          <p:txBody>
-            <a:bodyPr rtlCol="0" anchor="ctr"/>
-            <a:lstStyle/>
-            <a:p>
-              <a:pPr algn="ctr"/>
-              <a:endParaRPr lang="ko-KR" altLang="en-US"/>
-            </a:p>
-          </p:txBody>
-        </p:sp>
-      </p:grpSp>
       <p:pic>
         <p:nvPicPr>
           <p:cNvPr id="1026" name="Picture 2" descr="C:\Users\J.SHIN\Desktop\그림1.png"/>
@@ -4354,6 +3312,1140 @@
           </a:extLst>
         </p:spPr>
       </p:pic>
+      <p:grpSp>
+        <p:nvGrpSpPr>
+          <p:cNvPr id="3" name="그룹 2"/>
+          <p:cNvGrpSpPr/>
+          <p:nvPr/>
+        </p:nvGrpSpPr>
+        <p:grpSpPr>
+          <a:xfrm>
+            <a:off x="2915816" y="3429000"/>
+            <a:ext cx="1512168" cy="389019"/>
+            <a:chOff x="2915816" y="3429000"/>
+            <a:chExt cx="3240360" cy="3168352"/>
+          </a:xfrm>
+        </p:grpSpPr>
+        <p:grpSp>
+          <p:nvGrpSpPr>
+            <p:cNvPr id="10" name="그룹 9"/>
+            <p:cNvGrpSpPr/>
+            <p:nvPr/>
+          </p:nvGrpSpPr>
+          <p:grpSpPr>
+            <a:xfrm>
+              <a:off x="2915816" y="3429000"/>
+              <a:ext cx="3240360" cy="3168352"/>
+              <a:chOff x="778887" y="428723"/>
+              <a:chExt cx="1142609" cy="1163782"/>
+            </a:xfrm>
+            <a:solidFill>
+              <a:schemeClr val="accent2">
+                <a:lumMod val="40000"/>
+                <a:lumOff val="60000"/>
+              </a:schemeClr>
+            </a:solidFill>
+          </p:grpSpPr>
+          <p:sp>
+            <p:nvSpPr>
+              <p:cNvPr id="4" name="자유형 3"/>
+              <p:cNvSpPr/>
+              <p:nvPr/>
+            </p:nvSpPr>
+            <p:spPr>
+              <a:xfrm>
+                <a:off x="778887" y="428723"/>
+                <a:ext cx="1142609" cy="1163782"/>
+              </a:xfrm>
+              <a:custGeom>
+                <a:avLst/>
+                <a:gdLst>
+                  <a:gd name="connsiteX0" fmla="*/ 89663 w 1142609"/>
+                  <a:gd name="connsiteY0" fmla="*/ 457200 h 1163782"/>
+                  <a:gd name="connsiteX1" fmla="*/ 89663 w 1142609"/>
+                  <a:gd name="connsiteY1" fmla="*/ 110836 h 1163782"/>
+                  <a:gd name="connsiteX2" fmla="*/ 117372 w 1142609"/>
+                  <a:gd name="connsiteY2" fmla="*/ 55418 h 1163782"/>
+                  <a:gd name="connsiteX3" fmla="*/ 214354 w 1142609"/>
+                  <a:gd name="connsiteY3" fmla="*/ 27709 h 1163782"/>
+                  <a:gd name="connsiteX4" fmla="*/ 228209 w 1142609"/>
+                  <a:gd name="connsiteY4" fmla="*/ 69273 h 1163782"/>
+                  <a:gd name="connsiteX5" fmla="*/ 269772 w 1142609"/>
+                  <a:gd name="connsiteY5" fmla="*/ 83127 h 1163782"/>
+                  <a:gd name="connsiteX6" fmla="*/ 297482 w 1142609"/>
+                  <a:gd name="connsiteY6" fmla="*/ 110836 h 1163782"/>
+                  <a:gd name="connsiteX7" fmla="*/ 311336 w 1142609"/>
+                  <a:gd name="connsiteY7" fmla="*/ 152400 h 1163782"/>
+                  <a:gd name="connsiteX8" fmla="*/ 339045 w 1142609"/>
+                  <a:gd name="connsiteY8" fmla="*/ 207818 h 1163782"/>
+                  <a:gd name="connsiteX9" fmla="*/ 352900 w 1142609"/>
+                  <a:gd name="connsiteY9" fmla="*/ 263236 h 1163782"/>
+                  <a:gd name="connsiteX10" fmla="*/ 380609 w 1142609"/>
+                  <a:gd name="connsiteY10" fmla="*/ 346364 h 1163782"/>
+                  <a:gd name="connsiteX11" fmla="*/ 463736 w 1142609"/>
+                  <a:gd name="connsiteY11" fmla="*/ 374073 h 1163782"/>
+                  <a:gd name="connsiteX12" fmla="*/ 643845 w 1142609"/>
+                  <a:gd name="connsiteY12" fmla="*/ 360218 h 1163782"/>
+                  <a:gd name="connsiteX13" fmla="*/ 685409 w 1142609"/>
+                  <a:gd name="connsiteY13" fmla="*/ 346364 h 1163782"/>
+                  <a:gd name="connsiteX14" fmla="*/ 713118 w 1142609"/>
+                  <a:gd name="connsiteY14" fmla="*/ 318654 h 1163782"/>
+                  <a:gd name="connsiteX15" fmla="*/ 726972 w 1142609"/>
+                  <a:gd name="connsiteY15" fmla="*/ 235527 h 1163782"/>
+                  <a:gd name="connsiteX16" fmla="*/ 740827 w 1142609"/>
+                  <a:gd name="connsiteY16" fmla="*/ 180109 h 1163782"/>
+                  <a:gd name="connsiteX17" fmla="*/ 754682 w 1142609"/>
+                  <a:gd name="connsiteY17" fmla="*/ 96982 h 1163782"/>
+                  <a:gd name="connsiteX18" fmla="*/ 796245 w 1142609"/>
+                  <a:gd name="connsiteY18" fmla="*/ 13854 h 1163782"/>
+                  <a:gd name="connsiteX19" fmla="*/ 837809 w 1142609"/>
+                  <a:gd name="connsiteY19" fmla="*/ 0 h 1163782"/>
+                  <a:gd name="connsiteX20" fmla="*/ 934791 w 1142609"/>
+                  <a:gd name="connsiteY20" fmla="*/ 13854 h 1163782"/>
+                  <a:gd name="connsiteX21" fmla="*/ 990209 w 1142609"/>
+                  <a:gd name="connsiteY21" fmla="*/ 96982 h 1163782"/>
+                  <a:gd name="connsiteX22" fmla="*/ 1017918 w 1142609"/>
+                  <a:gd name="connsiteY22" fmla="*/ 207818 h 1163782"/>
+                  <a:gd name="connsiteX23" fmla="*/ 1031772 w 1142609"/>
+                  <a:gd name="connsiteY23" fmla="*/ 249382 h 1163782"/>
+                  <a:gd name="connsiteX24" fmla="*/ 1045627 w 1142609"/>
+                  <a:gd name="connsiteY24" fmla="*/ 318654 h 1163782"/>
+                  <a:gd name="connsiteX25" fmla="*/ 1073336 w 1142609"/>
+                  <a:gd name="connsiteY25" fmla="*/ 346364 h 1163782"/>
+                  <a:gd name="connsiteX26" fmla="*/ 1101045 w 1142609"/>
+                  <a:gd name="connsiteY26" fmla="*/ 387927 h 1163782"/>
+                  <a:gd name="connsiteX27" fmla="*/ 1114900 w 1142609"/>
+                  <a:gd name="connsiteY27" fmla="*/ 429491 h 1163782"/>
+                  <a:gd name="connsiteX28" fmla="*/ 1142609 w 1142609"/>
+                  <a:gd name="connsiteY28" fmla="*/ 484909 h 1163782"/>
+                  <a:gd name="connsiteX29" fmla="*/ 1128754 w 1142609"/>
+                  <a:gd name="connsiteY29" fmla="*/ 748145 h 1163782"/>
+                  <a:gd name="connsiteX30" fmla="*/ 1114900 w 1142609"/>
+                  <a:gd name="connsiteY30" fmla="*/ 803564 h 1163782"/>
+                  <a:gd name="connsiteX31" fmla="*/ 1073336 w 1142609"/>
+                  <a:gd name="connsiteY31" fmla="*/ 928254 h 1163782"/>
+                  <a:gd name="connsiteX32" fmla="*/ 1045627 w 1142609"/>
+                  <a:gd name="connsiteY32" fmla="*/ 1011382 h 1163782"/>
+                  <a:gd name="connsiteX33" fmla="*/ 962500 w 1142609"/>
+                  <a:gd name="connsiteY33" fmla="*/ 1080654 h 1163782"/>
+                  <a:gd name="connsiteX34" fmla="*/ 920936 w 1142609"/>
+                  <a:gd name="connsiteY34" fmla="*/ 1122218 h 1163782"/>
+                  <a:gd name="connsiteX35" fmla="*/ 837809 w 1142609"/>
+                  <a:gd name="connsiteY35" fmla="*/ 1149927 h 1163782"/>
+                  <a:gd name="connsiteX36" fmla="*/ 796245 w 1142609"/>
+                  <a:gd name="connsiteY36" fmla="*/ 1163782 h 1163782"/>
+                  <a:gd name="connsiteX37" fmla="*/ 574572 w 1142609"/>
+                  <a:gd name="connsiteY37" fmla="*/ 1149927 h 1163782"/>
+                  <a:gd name="connsiteX38" fmla="*/ 505300 w 1142609"/>
+                  <a:gd name="connsiteY38" fmla="*/ 1136073 h 1163782"/>
+                  <a:gd name="connsiteX39" fmla="*/ 339045 w 1142609"/>
+                  <a:gd name="connsiteY39" fmla="*/ 1108364 h 1163782"/>
+                  <a:gd name="connsiteX40" fmla="*/ 242063 w 1142609"/>
+                  <a:gd name="connsiteY40" fmla="*/ 1066800 h 1163782"/>
+                  <a:gd name="connsiteX41" fmla="*/ 158936 w 1142609"/>
+                  <a:gd name="connsiteY41" fmla="*/ 1025236 h 1163782"/>
+                  <a:gd name="connsiteX42" fmla="*/ 131227 w 1142609"/>
+                  <a:gd name="connsiteY42" fmla="*/ 983673 h 1163782"/>
+                  <a:gd name="connsiteX43" fmla="*/ 89663 w 1142609"/>
+                  <a:gd name="connsiteY43" fmla="*/ 942109 h 1163782"/>
+                  <a:gd name="connsiteX44" fmla="*/ 75809 w 1142609"/>
+                  <a:gd name="connsiteY44" fmla="*/ 900545 h 1163782"/>
+                  <a:gd name="connsiteX45" fmla="*/ 48100 w 1142609"/>
+                  <a:gd name="connsiteY45" fmla="*/ 858982 h 1163782"/>
+                  <a:gd name="connsiteX46" fmla="*/ 20391 w 1142609"/>
+                  <a:gd name="connsiteY46" fmla="*/ 803564 h 1163782"/>
+                  <a:gd name="connsiteX47" fmla="*/ 20391 w 1142609"/>
+                  <a:gd name="connsiteY47" fmla="*/ 484909 h 1163782"/>
+                  <a:gd name="connsiteX48" fmla="*/ 89663 w 1142609"/>
+                  <a:gd name="connsiteY48" fmla="*/ 457200 h 1163782"/>
+                </a:gdLst>
+                <a:ahLst/>
+                <a:cxnLst>
+                  <a:cxn ang="0">
+                    <a:pos x="connsiteX0" y="connsiteY0"/>
+                  </a:cxn>
+                  <a:cxn ang="0">
+                    <a:pos x="connsiteX1" y="connsiteY1"/>
+                  </a:cxn>
+                  <a:cxn ang="0">
+                    <a:pos x="connsiteX2" y="connsiteY2"/>
+                  </a:cxn>
+                  <a:cxn ang="0">
+                    <a:pos x="connsiteX3" y="connsiteY3"/>
+                  </a:cxn>
+                  <a:cxn ang="0">
+                    <a:pos x="connsiteX4" y="connsiteY4"/>
+                  </a:cxn>
+                  <a:cxn ang="0">
+                    <a:pos x="connsiteX5" y="connsiteY5"/>
+                  </a:cxn>
+                  <a:cxn ang="0">
+                    <a:pos x="connsiteX6" y="connsiteY6"/>
+                  </a:cxn>
+                  <a:cxn ang="0">
+                    <a:pos x="connsiteX7" y="connsiteY7"/>
+                  </a:cxn>
+                  <a:cxn ang="0">
+                    <a:pos x="connsiteX8" y="connsiteY8"/>
+                  </a:cxn>
+                  <a:cxn ang="0">
+                    <a:pos x="connsiteX9" y="connsiteY9"/>
+                  </a:cxn>
+                  <a:cxn ang="0">
+                    <a:pos x="connsiteX10" y="connsiteY10"/>
+                  </a:cxn>
+                  <a:cxn ang="0">
+                    <a:pos x="connsiteX11" y="connsiteY11"/>
+                  </a:cxn>
+                  <a:cxn ang="0">
+                    <a:pos x="connsiteX12" y="connsiteY12"/>
+                  </a:cxn>
+                  <a:cxn ang="0">
+                    <a:pos x="connsiteX13" y="connsiteY13"/>
+                  </a:cxn>
+                  <a:cxn ang="0">
+                    <a:pos x="connsiteX14" y="connsiteY14"/>
+                  </a:cxn>
+                  <a:cxn ang="0">
+                    <a:pos x="connsiteX15" y="connsiteY15"/>
+                  </a:cxn>
+                  <a:cxn ang="0">
+                    <a:pos x="connsiteX16" y="connsiteY16"/>
+                  </a:cxn>
+                  <a:cxn ang="0">
+                    <a:pos x="connsiteX17" y="connsiteY17"/>
+                  </a:cxn>
+                  <a:cxn ang="0">
+                    <a:pos x="connsiteX18" y="connsiteY18"/>
+                  </a:cxn>
+                  <a:cxn ang="0">
+                    <a:pos x="connsiteX19" y="connsiteY19"/>
+                  </a:cxn>
+                  <a:cxn ang="0">
+                    <a:pos x="connsiteX20" y="connsiteY20"/>
+                  </a:cxn>
+                  <a:cxn ang="0">
+                    <a:pos x="connsiteX21" y="connsiteY21"/>
+                  </a:cxn>
+                  <a:cxn ang="0">
+                    <a:pos x="connsiteX22" y="connsiteY22"/>
+                  </a:cxn>
+                  <a:cxn ang="0">
+                    <a:pos x="connsiteX23" y="connsiteY23"/>
+                  </a:cxn>
+                  <a:cxn ang="0">
+                    <a:pos x="connsiteX24" y="connsiteY24"/>
+                  </a:cxn>
+                  <a:cxn ang="0">
+                    <a:pos x="connsiteX25" y="connsiteY25"/>
+                  </a:cxn>
+                  <a:cxn ang="0">
+                    <a:pos x="connsiteX26" y="connsiteY26"/>
+                  </a:cxn>
+                  <a:cxn ang="0">
+                    <a:pos x="connsiteX27" y="connsiteY27"/>
+                  </a:cxn>
+                  <a:cxn ang="0">
+                    <a:pos x="connsiteX28" y="connsiteY28"/>
+                  </a:cxn>
+                  <a:cxn ang="0">
+                    <a:pos x="connsiteX29" y="connsiteY29"/>
+                  </a:cxn>
+                  <a:cxn ang="0">
+                    <a:pos x="connsiteX30" y="connsiteY30"/>
+                  </a:cxn>
+                  <a:cxn ang="0">
+                    <a:pos x="connsiteX31" y="connsiteY31"/>
+                  </a:cxn>
+                  <a:cxn ang="0">
+                    <a:pos x="connsiteX32" y="connsiteY32"/>
+                  </a:cxn>
+                  <a:cxn ang="0">
+                    <a:pos x="connsiteX33" y="connsiteY33"/>
+                  </a:cxn>
+                  <a:cxn ang="0">
+                    <a:pos x="connsiteX34" y="connsiteY34"/>
+                  </a:cxn>
+                  <a:cxn ang="0">
+                    <a:pos x="connsiteX35" y="connsiteY35"/>
+                  </a:cxn>
+                  <a:cxn ang="0">
+                    <a:pos x="connsiteX36" y="connsiteY36"/>
+                  </a:cxn>
+                  <a:cxn ang="0">
+                    <a:pos x="connsiteX37" y="connsiteY37"/>
+                  </a:cxn>
+                  <a:cxn ang="0">
+                    <a:pos x="connsiteX38" y="connsiteY38"/>
+                  </a:cxn>
+                  <a:cxn ang="0">
+                    <a:pos x="connsiteX39" y="connsiteY39"/>
+                  </a:cxn>
+                  <a:cxn ang="0">
+                    <a:pos x="connsiteX40" y="connsiteY40"/>
+                  </a:cxn>
+                  <a:cxn ang="0">
+                    <a:pos x="connsiteX41" y="connsiteY41"/>
+                  </a:cxn>
+                  <a:cxn ang="0">
+                    <a:pos x="connsiteX42" y="connsiteY42"/>
+                  </a:cxn>
+                  <a:cxn ang="0">
+                    <a:pos x="connsiteX43" y="connsiteY43"/>
+                  </a:cxn>
+                  <a:cxn ang="0">
+                    <a:pos x="connsiteX44" y="connsiteY44"/>
+                  </a:cxn>
+                  <a:cxn ang="0">
+                    <a:pos x="connsiteX45" y="connsiteY45"/>
+                  </a:cxn>
+                  <a:cxn ang="0">
+                    <a:pos x="connsiteX46" y="connsiteY46"/>
+                  </a:cxn>
+                  <a:cxn ang="0">
+                    <a:pos x="connsiteX47" y="connsiteY47"/>
+                  </a:cxn>
+                  <a:cxn ang="0">
+                    <a:pos x="connsiteX48" y="connsiteY48"/>
+                  </a:cxn>
+                </a:cxnLst>
+                <a:rect l="l" t="t" r="r" b="b"/>
+                <a:pathLst>
+                  <a:path w="1142609" h="1163782">
+                    <a:moveTo>
+                      <a:pt x="89663" y="457200"/>
+                    </a:moveTo>
+                    <a:cubicBezTo>
+                      <a:pt x="101208" y="394854"/>
+                      <a:pt x="63732" y="275065"/>
+                      <a:pt x="89663" y="110836"/>
+                    </a:cubicBezTo>
+                    <a:cubicBezTo>
+                      <a:pt x="92884" y="90436"/>
+                      <a:pt x="102768" y="70022"/>
+                      <a:pt x="117372" y="55418"/>
+                    </a:cubicBezTo>
+                    <a:cubicBezTo>
+                      <a:pt x="123996" y="48795"/>
+                      <a:pt x="213877" y="27828"/>
+                      <a:pt x="214354" y="27709"/>
+                    </a:cubicBezTo>
+                    <a:cubicBezTo>
+                      <a:pt x="218972" y="41564"/>
+                      <a:pt x="217882" y="58946"/>
+                      <a:pt x="228209" y="69273"/>
+                    </a:cubicBezTo>
+                    <a:cubicBezTo>
+                      <a:pt x="238535" y="79599"/>
+                      <a:pt x="257249" y="75614"/>
+                      <a:pt x="269772" y="83127"/>
+                    </a:cubicBezTo>
+                    <a:cubicBezTo>
+                      <a:pt x="280973" y="89847"/>
+                      <a:pt x="288245" y="101600"/>
+                      <a:pt x="297482" y="110836"/>
+                    </a:cubicBezTo>
+                    <a:cubicBezTo>
+                      <a:pt x="302100" y="124691"/>
+                      <a:pt x="305583" y="138977"/>
+                      <a:pt x="311336" y="152400"/>
+                    </a:cubicBezTo>
+                    <a:cubicBezTo>
+                      <a:pt x="319472" y="171383"/>
+                      <a:pt x="331793" y="188480"/>
+                      <a:pt x="339045" y="207818"/>
+                    </a:cubicBezTo>
+                    <a:cubicBezTo>
+                      <a:pt x="345731" y="225647"/>
+                      <a:pt x="347429" y="244998"/>
+                      <a:pt x="352900" y="263236"/>
+                    </a:cubicBezTo>
+                    <a:cubicBezTo>
+                      <a:pt x="361293" y="291212"/>
+                      <a:pt x="359956" y="325711"/>
+                      <a:pt x="380609" y="346364"/>
+                    </a:cubicBezTo>
+                    <a:cubicBezTo>
+                      <a:pt x="401262" y="367017"/>
+                      <a:pt x="463736" y="374073"/>
+                      <a:pt x="463736" y="374073"/>
+                    </a:cubicBezTo>
+                    <a:cubicBezTo>
+                      <a:pt x="523772" y="369455"/>
+                      <a:pt x="584096" y="367687"/>
+                      <a:pt x="643845" y="360218"/>
+                    </a:cubicBezTo>
+                    <a:cubicBezTo>
+                      <a:pt x="658336" y="358407"/>
+                      <a:pt x="672886" y="353878"/>
+                      <a:pt x="685409" y="346364"/>
+                    </a:cubicBezTo>
+                    <a:cubicBezTo>
+                      <a:pt x="696610" y="339643"/>
+                      <a:pt x="703882" y="327891"/>
+                      <a:pt x="713118" y="318654"/>
+                    </a:cubicBezTo>
+                    <a:cubicBezTo>
+                      <a:pt x="717736" y="290945"/>
+                      <a:pt x="721463" y="263073"/>
+                      <a:pt x="726972" y="235527"/>
+                    </a:cubicBezTo>
+                    <a:cubicBezTo>
+                      <a:pt x="730706" y="216856"/>
+                      <a:pt x="737093" y="198780"/>
+                      <a:pt x="740827" y="180109"/>
+                    </a:cubicBezTo>
+                    <a:cubicBezTo>
+                      <a:pt x="746336" y="152563"/>
+                      <a:pt x="749173" y="124528"/>
+                      <a:pt x="754682" y="96982"/>
+                    </a:cubicBezTo>
+                    <a:cubicBezTo>
+                      <a:pt x="762379" y="58496"/>
+                      <a:pt x="761469" y="34720"/>
+                      <a:pt x="796245" y="13854"/>
+                    </a:cubicBezTo>
+                    <a:cubicBezTo>
+                      <a:pt x="808768" y="6340"/>
+                      <a:pt x="823954" y="4618"/>
+                      <a:pt x="837809" y="0"/>
+                    </a:cubicBezTo>
+                    <a:cubicBezTo>
+                      <a:pt x="870136" y="4618"/>
+                      <a:pt x="907241" y="-3678"/>
+                      <a:pt x="934791" y="13854"/>
+                    </a:cubicBezTo>
+                    <a:cubicBezTo>
+                      <a:pt x="962887" y="31733"/>
+                      <a:pt x="990209" y="96982"/>
+                      <a:pt x="990209" y="96982"/>
+                    </a:cubicBezTo>
+                    <a:cubicBezTo>
+                      <a:pt x="999445" y="133927"/>
+                      <a:pt x="1005876" y="171690"/>
+                      <a:pt x="1017918" y="207818"/>
+                    </a:cubicBezTo>
+                    <a:cubicBezTo>
+                      <a:pt x="1022536" y="221673"/>
+                      <a:pt x="1028230" y="235214"/>
+                      <a:pt x="1031772" y="249382"/>
+                    </a:cubicBezTo>
+                    <a:cubicBezTo>
+                      <a:pt x="1037483" y="272227"/>
+                      <a:pt x="1036351" y="297010"/>
+                      <a:pt x="1045627" y="318654"/>
+                    </a:cubicBezTo>
+                    <a:cubicBezTo>
+                      <a:pt x="1050773" y="330660"/>
+                      <a:pt x="1065176" y="336164"/>
+                      <a:pt x="1073336" y="346364"/>
+                    </a:cubicBezTo>
+                    <a:cubicBezTo>
+                      <a:pt x="1083738" y="359366"/>
+                      <a:pt x="1093598" y="373034"/>
+                      <a:pt x="1101045" y="387927"/>
+                    </a:cubicBezTo>
+                    <a:cubicBezTo>
+                      <a:pt x="1107576" y="400989"/>
+                      <a:pt x="1109147" y="416068"/>
+                      <a:pt x="1114900" y="429491"/>
+                    </a:cubicBezTo>
+                    <a:cubicBezTo>
+                      <a:pt x="1123036" y="448474"/>
+                      <a:pt x="1133373" y="466436"/>
+                      <a:pt x="1142609" y="484909"/>
+                    </a:cubicBezTo>
+                    <a:cubicBezTo>
+                      <a:pt x="1137991" y="572654"/>
+                      <a:pt x="1136366" y="660609"/>
+                      <a:pt x="1128754" y="748145"/>
+                    </a:cubicBezTo>
+                    <a:cubicBezTo>
+                      <a:pt x="1127104" y="767115"/>
+                      <a:pt x="1120371" y="785326"/>
+                      <a:pt x="1114900" y="803564"/>
+                    </a:cubicBezTo>
+                    <a:cubicBezTo>
+                      <a:pt x="1114880" y="803631"/>
+                      <a:pt x="1080274" y="907439"/>
+                      <a:pt x="1073336" y="928254"/>
+                    </a:cubicBezTo>
+                    <a:lnTo>
+                      <a:pt x="1045627" y="1011382"/>
+                    </a:lnTo>
+                    <a:cubicBezTo>
+                      <a:pt x="924187" y="1132819"/>
+                      <a:pt x="1078241" y="984203"/>
+                      <a:pt x="962500" y="1080654"/>
+                    </a:cubicBezTo>
+                    <a:cubicBezTo>
+                      <a:pt x="947448" y="1093197"/>
+                      <a:pt x="938064" y="1112703"/>
+                      <a:pt x="920936" y="1122218"/>
+                    </a:cubicBezTo>
+                    <a:cubicBezTo>
+                      <a:pt x="895404" y="1136403"/>
+                      <a:pt x="865518" y="1140691"/>
+                      <a:pt x="837809" y="1149927"/>
+                    </a:cubicBezTo>
+                    <a:lnTo>
+                      <a:pt x="796245" y="1163782"/>
+                    </a:lnTo>
+                    <a:cubicBezTo>
+                      <a:pt x="722354" y="1159164"/>
+                      <a:pt x="648274" y="1156946"/>
+                      <a:pt x="574572" y="1149927"/>
+                    </a:cubicBezTo>
+                    <a:cubicBezTo>
+                      <a:pt x="551130" y="1147694"/>
+                      <a:pt x="528490" y="1140165"/>
+                      <a:pt x="505300" y="1136073"/>
+                    </a:cubicBezTo>
+                    <a:lnTo>
+                      <a:pt x="339045" y="1108364"/>
+                    </a:lnTo>
+                    <a:cubicBezTo>
+                      <a:pt x="241573" y="1075872"/>
+                      <a:pt x="361903" y="1118161"/>
+                      <a:pt x="242063" y="1066800"/>
+                    </a:cubicBezTo>
+                    <a:cubicBezTo>
+                      <a:pt x="161762" y="1032385"/>
+                      <a:pt x="238809" y="1078484"/>
+                      <a:pt x="158936" y="1025236"/>
+                    </a:cubicBezTo>
+                    <a:cubicBezTo>
+                      <a:pt x="149700" y="1011382"/>
+                      <a:pt x="141887" y="996465"/>
+                      <a:pt x="131227" y="983673"/>
+                    </a:cubicBezTo>
+                    <a:cubicBezTo>
+                      <a:pt x="118684" y="968621"/>
+                      <a:pt x="100531" y="958412"/>
+                      <a:pt x="89663" y="942109"/>
+                    </a:cubicBezTo>
+                    <a:cubicBezTo>
+                      <a:pt x="81562" y="929958"/>
+                      <a:pt x="82340" y="913607"/>
+                      <a:pt x="75809" y="900545"/>
+                    </a:cubicBezTo>
+                    <a:cubicBezTo>
+                      <a:pt x="68363" y="885652"/>
+                      <a:pt x="56361" y="873439"/>
+                      <a:pt x="48100" y="858982"/>
+                    </a:cubicBezTo>
+                    <a:cubicBezTo>
+                      <a:pt x="37853" y="841050"/>
+                      <a:pt x="29627" y="822037"/>
+                      <a:pt x="20391" y="803564"/>
+                    </a:cubicBezTo>
+                    <a:cubicBezTo>
+                      <a:pt x="-83" y="680725"/>
+                      <a:pt x="-12781" y="642477"/>
+                      <a:pt x="20391" y="484909"/>
+                    </a:cubicBezTo>
+                    <a:cubicBezTo>
+                      <a:pt x="22358" y="475567"/>
+                      <a:pt x="78118" y="519546"/>
+                      <a:pt x="89663" y="457200"/>
+                    </a:cubicBezTo>
+                    <a:close/>
+                  </a:path>
+                </a:pathLst>
+              </a:custGeom>
+              <a:grpFill/>
+            </p:spPr>
+            <p:style>
+              <a:lnRef idx="2">
+                <a:schemeClr val="accent1">
+                  <a:shade val="50000"/>
+                </a:schemeClr>
+              </a:lnRef>
+              <a:fillRef idx="1">
+                <a:schemeClr val="accent1"/>
+              </a:fillRef>
+              <a:effectRef idx="0">
+                <a:schemeClr val="accent1"/>
+              </a:effectRef>
+              <a:fontRef idx="minor">
+                <a:schemeClr val="lt1"/>
+              </a:fontRef>
+            </p:style>
+            <p:txBody>
+              <a:bodyPr rtlCol="0" anchor="ctr"/>
+              <a:lstStyle/>
+              <a:p>
+                <a:pPr algn="ctr"/>
+                <a:endParaRPr lang="ko-KR" altLang="en-US"/>
+              </a:p>
+            </p:txBody>
+          </p:sp>
+          <p:sp>
+            <p:nvSpPr>
+              <p:cNvPr id="9" name="자유형 8"/>
+              <p:cNvSpPr/>
+              <p:nvPr/>
+            </p:nvSpPr>
+            <p:spPr>
+              <a:xfrm>
+                <a:off x="1305337" y="1246910"/>
+                <a:ext cx="156209" cy="173004"/>
+              </a:xfrm>
+              <a:custGeom>
+                <a:avLst/>
+                <a:gdLst>
+                  <a:gd name="connsiteX0" fmla="*/ 17558 w 156209"/>
+                  <a:gd name="connsiteY0" fmla="*/ 0 h 173004"/>
+                  <a:gd name="connsiteX1" fmla="*/ 17558 w 156209"/>
+                  <a:gd name="connsiteY1" fmla="*/ 166254 h 173004"/>
+                  <a:gd name="connsiteX2" fmla="*/ 114540 w 156209"/>
+                  <a:gd name="connsiteY2" fmla="*/ 152400 h 173004"/>
+                  <a:gd name="connsiteX3" fmla="*/ 142249 w 156209"/>
+                  <a:gd name="connsiteY3" fmla="*/ 110836 h 173004"/>
+                  <a:gd name="connsiteX4" fmla="*/ 156103 w 156209"/>
+                  <a:gd name="connsiteY4" fmla="*/ 27709 h 173004"/>
+                </a:gdLst>
+                <a:ahLst/>
+                <a:cxnLst>
+                  <a:cxn ang="0">
+                    <a:pos x="connsiteX0" y="connsiteY0"/>
+                  </a:cxn>
+                  <a:cxn ang="0">
+                    <a:pos x="connsiteX1" y="connsiteY1"/>
+                  </a:cxn>
+                  <a:cxn ang="0">
+                    <a:pos x="connsiteX2" y="connsiteY2"/>
+                  </a:cxn>
+                  <a:cxn ang="0">
+                    <a:pos x="connsiteX3" y="connsiteY3"/>
+                  </a:cxn>
+                  <a:cxn ang="0">
+                    <a:pos x="connsiteX4" y="connsiteY4"/>
+                  </a:cxn>
+                </a:cxnLst>
+                <a:rect l="l" t="t" r="r" b="b"/>
+                <a:pathLst>
+                  <a:path w="156209" h="173004">
+                    <a:moveTo>
+                      <a:pt x="17558" y="0"/>
+                    </a:moveTo>
+                    <a:cubicBezTo>
+                      <a:pt x="10768" y="33946"/>
+                      <a:pt x="-18307" y="139355"/>
+                      <a:pt x="17558" y="166254"/>
+                    </a:cubicBezTo>
+                    <a:cubicBezTo>
+                      <a:pt x="43682" y="185847"/>
+                      <a:pt x="82213" y="157018"/>
+                      <a:pt x="114540" y="152400"/>
+                    </a:cubicBezTo>
+                    <a:cubicBezTo>
+                      <a:pt x="123776" y="138545"/>
+                      <a:pt x="135690" y="126141"/>
+                      <a:pt x="142249" y="110836"/>
+                    </a:cubicBezTo>
+                    <a:cubicBezTo>
+                      <a:pt x="158343" y="73283"/>
+                      <a:pt x="156103" y="61447"/>
+                      <a:pt x="156103" y="27709"/>
+                    </a:cubicBezTo>
+                  </a:path>
+                </a:pathLst>
+              </a:custGeom>
+              <a:grpFill/>
+            </p:spPr>
+            <p:style>
+              <a:lnRef idx="2">
+                <a:schemeClr val="accent1">
+                  <a:shade val="50000"/>
+                </a:schemeClr>
+              </a:lnRef>
+              <a:fillRef idx="1">
+                <a:schemeClr val="accent1"/>
+              </a:fillRef>
+              <a:effectRef idx="0">
+                <a:schemeClr val="accent1"/>
+              </a:effectRef>
+              <a:fontRef idx="minor">
+                <a:schemeClr val="lt1"/>
+              </a:fontRef>
+            </p:style>
+            <p:txBody>
+              <a:bodyPr rtlCol="0" anchor="ctr"/>
+              <a:lstStyle/>
+              <a:p>
+                <a:pPr algn="ctr"/>
+                <a:endParaRPr lang="ko-KR" altLang="en-US"/>
+              </a:p>
+            </p:txBody>
+          </p:sp>
+          <p:sp>
+            <p:nvSpPr>
+              <p:cNvPr id="5" name="자유형 4"/>
+              <p:cNvSpPr/>
+              <p:nvPr/>
+            </p:nvSpPr>
+            <p:spPr>
+              <a:xfrm>
+                <a:off x="1065991" y="969818"/>
+                <a:ext cx="83936" cy="138546"/>
+              </a:xfrm>
+              <a:custGeom>
+                <a:avLst/>
+                <a:gdLst>
+                  <a:gd name="connsiteX0" fmla="*/ 83936 w 83936"/>
+                  <a:gd name="connsiteY0" fmla="*/ 0 h 138546"/>
+                  <a:gd name="connsiteX1" fmla="*/ 70082 w 83936"/>
+                  <a:gd name="connsiteY1" fmla="*/ 41564 h 138546"/>
+                  <a:gd name="connsiteX2" fmla="*/ 14664 w 83936"/>
+                  <a:gd name="connsiteY2" fmla="*/ 138546 h 138546"/>
+                  <a:gd name="connsiteX3" fmla="*/ 809 w 83936"/>
+                  <a:gd name="connsiteY3" fmla="*/ 41564 h 138546"/>
+                </a:gdLst>
+                <a:ahLst/>
+                <a:cxnLst>
+                  <a:cxn ang="0">
+                    <a:pos x="connsiteX0" y="connsiteY0"/>
+                  </a:cxn>
+                  <a:cxn ang="0">
+                    <a:pos x="connsiteX1" y="connsiteY1"/>
+                  </a:cxn>
+                  <a:cxn ang="0">
+                    <a:pos x="connsiteX2" y="connsiteY2"/>
+                  </a:cxn>
+                  <a:cxn ang="0">
+                    <a:pos x="connsiteX3" y="connsiteY3"/>
+                  </a:cxn>
+                </a:cxnLst>
+                <a:rect l="l" t="t" r="r" b="b"/>
+                <a:pathLst>
+                  <a:path w="83936" h="138546">
+                    <a:moveTo>
+                      <a:pt x="83936" y="0"/>
+                    </a:moveTo>
+                    <a:cubicBezTo>
+                      <a:pt x="-78770" y="65083"/>
+                      <a:pt x="48539" y="-1524"/>
+                      <a:pt x="70082" y="41564"/>
+                    </a:cubicBezTo>
+                    <a:cubicBezTo>
+                      <a:pt x="97901" y="97204"/>
+                      <a:pt x="44043" y="118959"/>
+                      <a:pt x="14664" y="138546"/>
+                    </a:cubicBezTo>
+                    <a:cubicBezTo>
+                      <a:pt x="-5033" y="79457"/>
+                      <a:pt x="809" y="111586"/>
+                      <a:pt x="809" y="41564"/>
+                    </a:cubicBezTo>
+                  </a:path>
+                </a:pathLst>
+              </a:custGeom>
+              <a:grpFill/>
+              <a:ln>
+                <a:solidFill>
+                  <a:schemeClr val="tx1"/>
+                </a:solidFill>
+              </a:ln>
+            </p:spPr>
+            <p:style>
+              <a:lnRef idx="2">
+                <a:schemeClr val="accent1">
+                  <a:shade val="50000"/>
+                </a:schemeClr>
+              </a:lnRef>
+              <a:fillRef idx="1">
+                <a:schemeClr val="accent1"/>
+              </a:fillRef>
+              <a:effectRef idx="0">
+                <a:schemeClr val="accent1"/>
+              </a:effectRef>
+              <a:fontRef idx="minor">
+                <a:schemeClr val="lt1"/>
+              </a:fontRef>
+            </p:style>
+            <p:txBody>
+              <a:bodyPr rtlCol="0" anchor="ctr"/>
+              <a:lstStyle/>
+              <a:p>
+                <a:pPr algn="ctr"/>
+                <a:endParaRPr lang="ko-KR" altLang="en-US"/>
+              </a:p>
+            </p:txBody>
+          </p:sp>
+          <p:sp>
+            <p:nvSpPr>
+              <p:cNvPr id="6" name="자유형 5"/>
+              <p:cNvSpPr/>
+              <p:nvPr/>
+            </p:nvSpPr>
+            <p:spPr>
+              <a:xfrm>
+                <a:off x="1475656" y="969818"/>
+                <a:ext cx="83936" cy="138546"/>
+              </a:xfrm>
+              <a:custGeom>
+                <a:avLst/>
+                <a:gdLst>
+                  <a:gd name="connsiteX0" fmla="*/ 83936 w 83936"/>
+                  <a:gd name="connsiteY0" fmla="*/ 0 h 138546"/>
+                  <a:gd name="connsiteX1" fmla="*/ 70082 w 83936"/>
+                  <a:gd name="connsiteY1" fmla="*/ 41564 h 138546"/>
+                  <a:gd name="connsiteX2" fmla="*/ 14664 w 83936"/>
+                  <a:gd name="connsiteY2" fmla="*/ 138546 h 138546"/>
+                  <a:gd name="connsiteX3" fmla="*/ 809 w 83936"/>
+                  <a:gd name="connsiteY3" fmla="*/ 41564 h 138546"/>
+                </a:gdLst>
+                <a:ahLst/>
+                <a:cxnLst>
+                  <a:cxn ang="0">
+                    <a:pos x="connsiteX0" y="connsiteY0"/>
+                  </a:cxn>
+                  <a:cxn ang="0">
+                    <a:pos x="connsiteX1" y="connsiteY1"/>
+                  </a:cxn>
+                  <a:cxn ang="0">
+                    <a:pos x="connsiteX2" y="connsiteY2"/>
+                  </a:cxn>
+                  <a:cxn ang="0">
+                    <a:pos x="connsiteX3" y="connsiteY3"/>
+                  </a:cxn>
+                </a:cxnLst>
+                <a:rect l="l" t="t" r="r" b="b"/>
+                <a:pathLst>
+                  <a:path w="83936" h="138546">
+                    <a:moveTo>
+                      <a:pt x="83936" y="0"/>
+                    </a:moveTo>
+                    <a:cubicBezTo>
+                      <a:pt x="-78770" y="65083"/>
+                      <a:pt x="48539" y="-1524"/>
+                      <a:pt x="70082" y="41564"/>
+                    </a:cubicBezTo>
+                    <a:cubicBezTo>
+                      <a:pt x="97901" y="97204"/>
+                      <a:pt x="44043" y="118959"/>
+                      <a:pt x="14664" y="138546"/>
+                    </a:cubicBezTo>
+                    <a:cubicBezTo>
+                      <a:pt x="-5033" y="79457"/>
+                      <a:pt x="809" y="111586"/>
+                      <a:pt x="809" y="41564"/>
+                    </a:cubicBezTo>
+                  </a:path>
+                </a:pathLst>
+              </a:custGeom>
+              <a:grpFill/>
+              <a:ln>
+                <a:solidFill>
+                  <a:schemeClr val="tx1"/>
+                </a:solidFill>
+              </a:ln>
+            </p:spPr>
+            <p:style>
+              <a:lnRef idx="2">
+                <a:schemeClr val="accent1">
+                  <a:shade val="50000"/>
+                </a:schemeClr>
+              </a:lnRef>
+              <a:fillRef idx="1">
+                <a:schemeClr val="accent1"/>
+              </a:fillRef>
+              <a:effectRef idx="0">
+                <a:schemeClr val="accent1"/>
+              </a:effectRef>
+              <a:fontRef idx="minor">
+                <a:schemeClr val="lt1"/>
+              </a:fontRef>
+            </p:style>
+            <p:txBody>
+              <a:bodyPr rtlCol="0" anchor="ctr"/>
+              <a:lstStyle/>
+              <a:p>
+                <a:pPr algn="ctr"/>
+                <a:endParaRPr lang="ko-KR" altLang="en-US"/>
+              </a:p>
+            </p:txBody>
+          </p:sp>
+          <p:sp>
+            <p:nvSpPr>
+              <p:cNvPr id="7" name="자유형 6"/>
+              <p:cNvSpPr/>
+              <p:nvPr/>
+            </p:nvSpPr>
+            <p:spPr>
+              <a:xfrm>
+                <a:off x="1205345" y="1163782"/>
+                <a:ext cx="361962" cy="138545"/>
+              </a:xfrm>
+              <a:custGeom>
+                <a:avLst/>
+                <a:gdLst>
+                  <a:gd name="connsiteX0" fmla="*/ 0 w 361962"/>
+                  <a:gd name="connsiteY0" fmla="*/ 83127 h 138545"/>
+                  <a:gd name="connsiteX1" fmla="*/ 152400 w 361962"/>
+                  <a:gd name="connsiteY1" fmla="*/ 83127 h 138545"/>
+                  <a:gd name="connsiteX2" fmla="*/ 166255 w 361962"/>
+                  <a:gd name="connsiteY2" fmla="*/ 0 h 138545"/>
+                  <a:gd name="connsiteX3" fmla="*/ 207819 w 361962"/>
+                  <a:gd name="connsiteY3" fmla="*/ 13854 h 138545"/>
+                  <a:gd name="connsiteX4" fmla="*/ 235528 w 361962"/>
+                  <a:gd name="connsiteY4" fmla="*/ 96982 h 138545"/>
+                  <a:gd name="connsiteX5" fmla="*/ 263237 w 361962"/>
+                  <a:gd name="connsiteY5" fmla="*/ 138545 h 138545"/>
+                  <a:gd name="connsiteX6" fmla="*/ 360219 w 361962"/>
+                  <a:gd name="connsiteY6" fmla="*/ 55418 h 138545"/>
+                </a:gdLst>
+                <a:ahLst/>
+                <a:cxnLst>
+                  <a:cxn ang="0">
+                    <a:pos x="connsiteX0" y="connsiteY0"/>
+                  </a:cxn>
+                  <a:cxn ang="0">
+                    <a:pos x="connsiteX1" y="connsiteY1"/>
+                  </a:cxn>
+                  <a:cxn ang="0">
+                    <a:pos x="connsiteX2" y="connsiteY2"/>
+                  </a:cxn>
+                  <a:cxn ang="0">
+                    <a:pos x="connsiteX3" y="connsiteY3"/>
+                  </a:cxn>
+                  <a:cxn ang="0">
+                    <a:pos x="connsiteX4" y="connsiteY4"/>
+                  </a:cxn>
+                  <a:cxn ang="0">
+                    <a:pos x="connsiteX5" y="connsiteY5"/>
+                  </a:cxn>
+                  <a:cxn ang="0">
+                    <a:pos x="connsiteX6" y="connsiteY6"/>
+                  </a:cxn>
+                </a:cxnLst>
+                <a:rect l="l" t="t" r="r" b="b"/>
+                <a:pathLst>
+                  <a:path w="361962" h="138545">
+                    <a:moveTo>
+                      <a:pt x="0" y="83127"/>
+                    </a:moveTo>
+                    <a:cubicBezTo>
+                      <a:pt x="34906" y="90108"/>
+                      <a:pt x="119902" y="115625"/>
+                      <a:pt x="152400" y="83127"/>
+                    </a:cubicBezTo>
+                    <a:cubicBezTo>
+                      <a:pt x="172264" y="63263"/>
+                      <a:pt x="161637" y="27709"/>
+                      <a:pt x="166255" y="0"/>
+                    </a:cubicBezTo>
+                    <a:cubicBezTo>
+                      <a:pt x="180110" y="4618"/>
+                      <a:pt x="199331" y="1970"/>
+                      <a:pt x="207819" y="13854"/>
+                    </a:cubicBezTo>
+                    <a:cubicBezTo>
+                      <a:pt x="224796" y="37622"/>
+                      <a:pt x="219326" y="72679"/>
+                      <a:pt x="235528" y="96982"/>
+                    </a:cubicBezTo>
+                    <a:lnTo>
+                      <a:pt x="263237" y="138545"/>
+                    </a:lnTo>
+                    <a:cubicBezTo>
+                      <a:pt x="383078" y="121426"/>
+                      <a:pt x="360219" y="157347"/>
+                      <a:pt x="360219" y="55418"/>
+                    </a:cubicBezTo>
+                  </a:path>
+                </a:pathLst>
+              </a:custGeom>
+              <a:grpFill/>
+            </p:spPr>
+            <p:style>
+              <a:lnRef idx="2">
+                <a:schemeClr val="accent1">
+                  <a:shade val="50000"/>
+                </a:schemeClr>
+              </a:lnRef>
+              <a:fillRef idx="1">
+                <a:schemeClr val="accent1"/>
+              </a:fillRef>
+              <a:effectRef idx="0">
+                <a:schemeClr val="accent1"/>
+              </a:effectRef>
+              <a:fontRef idx="minor">
+                <a:schemeClr val="lt1"/>
+              </a:fontRef>
+            </p:style>
+            <p:txBody>
+              <a:bodyPr rtlCol="0" anchor="ctr"/>
+              <a:lstStyle/>
+              <a:p>
+                <a:pPr algn="ctr"/>
+                <a:endParaRPr lang="ko-KR" altLang="en-US"/>
+              </a:p>
+            </p:txBody>
+          </p:sp>
+          <p:sp>
+            <p:nvSpPr>
+              <p:cNvPr id="8" name="자유형 7"/>
+              <p:cNvSpPr/>
+              <p:nvPr/>
+            </p:nvSpPr>
+            <p:spPr>
+              <a:xfrm>
+                <a:off x="1344358" y="1108364"/>
+                <a:ext cx="83936" cy="138546"/>
+              </a:xfrm>
+              <a:custGeom>
+                <a:avLst/>
+                <a:gdLst>
+                  <a:gd name="connsiteX0" fmla="*/ 83936 w 83936"/>
+                  <a:gd name="connsiteY0" fmla="*/ 0 h 138546"/>
+                  <a:gd name="connsiteX1" fmla="*/ 70082 w 83936"/>
+                  <a:gd name="connsiteY1" fmla="*/ 41564 h 138546"/>
+                  <a:gd name="connsiteX2" fmla="*/ 14664 w 83936"/>
+                  <a:gd name="connsiteY2" fmla="*/ 138546 h 138546"/>
+                  <a:gd name="connsiteX3" fmla="*/ 809 w 83936"/>
+                  <a:gd name="connsiteY3" fmla="*/ 41564 h 138546"/>
+                </a:gdLst>
+                <a:ahLst/>
+                <a:cxnLst>
+                  <a:cxn ang="0">
+                    <a:pos x="connsiteX0" y="connsiteY0"/>
+                  </a:cxn>
+                  <a:cxn ang="0">
+                    <a:pos x="connsiteX1" y="connsiteY1"/>
+                  </a:cxn>
+                  <a:cxn ang="0">
+                    <a:pos x="connsiteX2" y="connsiteY2"/>
+                  </a:cxn>
+                  <a:cxn ang="0">
+                    <a:pos x="connsiteX3" y="connsiteY3"/>
+                  </a:cxn>
+                </a:cxnLst>
+                <a:rect l="l" t="t" r="r" b="b"/>
+                <a:pathLst>
+                  <a:path w="83936" h="138546">
+                    <a:moveTo>
+                      <a:pt x="83936" y="0"/>
+                    </a:moveTo>
+                    <a:cubicBezTo>
+                      <a:pt x="-78770" y="65083"/>
+                      <a:pt x="48539" y="-1524"/>
+                      <a:pt x="70082" y="41564"/>
+                    </a:cubicBezTo>
+                    <a:cubicBezTo>
+                      <a:pt x="97901" y="97204"/>
+                      <a:pt x="44043" y="118959"/>
+                      <a:pt x="14664" y="138546"/>
+                    </a:cubicBezTo>
+                    <a:cubicBezTo>
+                      <a:pt x="-5033" y="79457"/>
+                      <a:pt x="809" y="111586"/>
+                      <a:pt x="809" y="41564"/>
+                    </a:cubicBezTo>
+                  </a:path>
+                </a:pathLst>
+              </a:custGeom>
+              <a:grpFill/>
+              <a:ln>
+                <a:solidFill>
+                  <a:schemeClr val="tx1"/>
+                </a:solidFill>
+              </a:ln>
+            </p:spPr>
+            <p:style>
+              <a:lnRef idx="2">
+                <a:schemeClr val="accent1">
+                  <a:shade val="50000"/>
+                </a:schemeClr>
+              </a:lnRef>
+              <a:fillRef idx="1">
+                <a:schemeClr val="accent1"/>
+              </a:fillRef>
+              <a:effectRef idx="0">
+                <a:schemeClr val="accent1"/>
+              </a:effectRef>
+              <a:fontRef idx="minor">
+                <a:schemeClr val="lt1"/>
+              </a:fontRef>
+            </p:style>
+            <p:txBody>
+              <a:bodyPr rtlCol="0" anchor="ctr"/>
+              <a:lstStyle/>
+              <a:p>
+                <a:pPr algn="ctr"/>
+                <a:endParaRPr lang="ko-KR" altLang="en-US"/>
+              </a:p>
+            </p:txBody>
+          </p:sp>
+        </p:grpSp>
+        <p:sp>
+          <p:nvSpPr>
+            <p:cNvPr id="2" name="직사각형 1"/>
+            <p:cNvSpPr/>
+            <p:nvPr/>
+          </p:nvSpPr>
+          <p:spPr>
+            <a:xfrm>
+              <a:off x="3491880" y="4725144"/>
+              <a:ext cx="2160240" cy="1512168"/>
+            </a:xfrm>
+            <a:prstGeom prst="rect">
+              <a:avLst/>
+            </a:prstGeom>
+            <a:solidFill>
+              <a:schemeClr val="accent2">
+                <a:lumMod val="40000"/>
+                <a:lumOff val="60000"/>
+              </a:schemeClr>
+            </a:solidFill>
+            <a:ln>
+              <a:solidFill>
+                <a:schemeClr val="accent2">
+                  <a:lumMod val="40000"/>
+                  <a:lumOff val="60000"/>
+                </a:schemeClr>
+              </a:solidFill>
+            </a:ln>
+          </p:spPr>
+          <p:style>
+            <a:lnRef idx="2">
+              <a:schemeClr val="accent1">
+                <a:shade val="50000"/>
+              </a:schemeClr>
+            </a:lnRef>
+            <a:fillRef idx="1">
+              <a:schemeClr val="accent1"/>
+            </a:fillRef>
+            <a:effectRef idx="0">
+              <a:schemeClr val="accent1"/>
+            </a:effectRef>
+            <a:fontRef idx="minor">
+              <a:schemeClr val="lt1"/>
+            </a:fontRef>
+          </p:style>
+          <p:txBody>
+            <a:bodyPr rtlCol="0" anchor="ctr"/>
+            <a:lstStyle/>
+            <a:p>
+              <a:pPr algn="ctr"/>
+              <a:r>
+                <a:rPr lang="ko-KR" altLang="en-US" sz="1000" smtClean="0">
+                  <a:solidFill>
+                    <a:schemeClr val="tx1"/>
+                  </a:solidFill>
+                </a:rPr>
+                <a:t>회원가입</a:t>
+              </a:r>
+              <a:endParaRPr lang="en-US" altLang="ko-KR" sz="1000" dirty="0" smtClean="0">
+                <a:solidFill>
+                  <a:schemeClr val="tx1"/>
+                </a:solidFill>
+              </a:endParaRPr>
+            </a:p>
+          </p:txBody>
+        </p:sp>
+      </p:grpSp>
     </p:spTree>
     <p:extLst>
       <p:ext uri="{BB962C8B-B14F-4D97-AF65-F5344CB8AC3E}">
